--- a/GROUP.pptx
+++ b/GROUP.pptx
@@ -5,20 +5,19 @@
     <p:sldMasterId id="2147483677" r:id="rId1"/>
   </p:sldMasterIdLst>
   <p:notesMasterIdLst>
-    <p:notesMasterId r:id="rId13"/>
+    <p:notesMasterId r:id="rId12"/>
   </p:notesMasterIdLst>
   <p:sldIdLst>
     <p:sldId id="256" r:id="rId2"/>
     <p:sldId id="257" r:id="rId3"/>
-    <p:sldId id="258" r:id="rId4"/>
-    <p:sldId id="259" r:id="rId5"/>
-    <p:sldId id="260" r:id="rId6"/>
-    <p:sldId id="261" r:id="rId7"/>
+    <p:sldId id="259" r:id="rId4"/>
+    <p:sldId id="260" r:id="rId5"/>
+    <p:sldId id="261" r:id="rId6"/>
+    <p:sldId id="263" r:id="rId7"/>
     <p:sldId id="262" r:id="rId8"/>
-    <p:sldId id="263" r:id="rId9"/>
-    <p:sldId id="264" r:id="rId10"/>
-    <p:sldId id="265" r:id="rId11"/>
-    <p:sldId id="266" r:id="rId12"/>
+    <p:sldId id="264" r:id="rId9"/>
+    <p:sldId id="265" r:id="rId10"/>
+    <p:sldId id="266" r:id="rId11"/>
   </p:sldIdLst>
   <p:sldSz cx="12192000" cy="6858000"/>
   <p:notesSz cx="6858000" cy="9144000"/>
@@ -117,6 +116,11 @@
       </a:defRPr>
     </a:lvl9pPr>
   </p:defaultTextStyle>
+  <p:extLst>
+    <p:ext uri="{EFAFB233-063F-42B5-8137-9DF3F51BA10A}">
+      <p15:sldGuideLst xmlns:p15="http://schemas.microsoft.com/office/powerpoint/2012/main"/>
+    </p:ext>
+  </p:extLst>
 </p:presentation>
 </file>
 
@@ -135,39 +139,6 @@
   </mc:AlternateContent>
   <c:chart>
     <c:title>
-      <c:tx>
-        <c:rich>
-          <a:bodyPr rot="0" spcFirstLastPara="1" vertOverflow="ellipsis" vert="horz" wrap="square" anchor="ctr" anchorCtr="1"/>
-          <a:lstStyle/>
-          <a:p>
-            <a:pPr>
-              <a:defRPr sz="1862" b="0" i="0" u="none" strike="noStrike" kern="1200" spc="0" baseline="0">
-                <a:solidFill>
-                  <a:schemeClr val="tx1">
-                    <a:lumMod val="65000"/>
-                    <a:lumOff val="35000"/>
-                  </a:schemeClr>
-                </a:solidFill>
-                <a:latin typeface="+mn-lt"/>
-                <a:ea typeface="+mn-ea"/>
-                <a:cs typeface="+mn-cs"/>
-              </a:defRPr>
-            </a:pPr>
-            <a:r>
-              <a:rPr lang="en-US" dirty="0"/>
-              <a:t>Execution</a:t>
-            </a:r>
-            <a:r>
-              <a:rPr lang="en-US" baseline="0" dirty="0"/>
-              <a:t> time</a:t>
-            </a:r>
-            <a:r>
-              <a:rPr lang="en-US" dirty="0"/>
-              <a:t> in milliseconds</a:t>
-            </a:r>
-          </a:p>
-        </c:rich>
-      </c:tx>
       <c:overlay val="0"/>
       <c:spPr>
         <a:noFill/>
@@ -202,7 +173,7 @@
       <c:layout/>
       <c:barChart>
         <c:barDir val="col"/>
-        <c:grouping val="stacked"/>
+        <c:grouping val="clustered"/>
         <c:varyColors val="0"/>
         <c:ser>
           <c:idx val="0"/>
@@ -213,7 +184,7 @@
               <c:strCache>
                 <c:ptCount val="1"/>
                 <c:pt idx="0">
-                  <c:v>Time in milliseconds</c:v>
+                  <c:v>Execution Time in milliseconds</c:v>
                 </c:pt>
               </c:strCache>
             </c:strRef>
@@ -230,45 +201,36 @@
           <c:invertIfNegative val="0"/>
           <c:cat>
             <c:strRef>
-              <c:f>Sheet1!$A$2:$A$5</c:f>
+              <c:f>Sheet1!$A$2:$A$3</c:f>
               <c:strCache>
-                <c:ptCount val="4"/>
+                <c:ptCount val="2"/>
                 <c:pt idx="0">
-                  <c:v>Quick Sort</c:v>
+                  <c:v>Concurrent mapping</c:v>
                 </c:pt>
                 <c:pt idx="1">
-                  <c:v>Heap Sort </c:v>
-                </c:pt>
-                <c:pt idx="2">
-                  <c:v>Merge Sort</c:v>
-                </c:pt>
-                <c:pt idx="3">
-                  <c:v>Bubble sort</c:v>
+                  <c:v>Standard mapping</c:v>
                 </c:pt>
               </c:strCache>
             </c:strRef>
           </c:cat>
           <c:val>
             <c:numRef>
-              <c:f>Sheet1!$B$2:$B$5</c:f>
+              <c:f>Sheet1!$B$2:$B$3</c:f>
               <c:numCache>
                 <c:formatCode>General</c:formatCode>
-                <c:ptCount val="4"/>
+                <c:ptCount val="2"/>
                 <c:pt idx="0">
-                  <c:v>872.21</c:v>
+                  <c:v>458</c:v>
                 </c:pt>
                 <c:pt idx="1">
-                  <c:v>217.61</c:v>
-                </c:pt>
-                <c:pt idx="2">
-                  <c:v>177.42</c:v>
+                  <c:v>782</c:v>
                 </c:pt>
               </c:numCache>
             </c:numRef>
           </c:val>
           <c:extLst>
             <c:ext xmlns:c16="http://schemas.microsoft.com/office/drawing/2014/chart" uri="{C3380CC4-5D6E-409C-BE32-E72D297353CC}">
-              <c16:uniqueId val="{00000000-53B3-5846-B714-BAC8693C8314}"/>
+              <c16:uniqueId val="{00000000-6F0F-D04B-B2E6-6D916D8EB137}"/>
             </c:ext>
           </c:extLst>
         </c:ser>
@@ -280,13 +242,13 @@
           <c:showPercent val="0"/>
           <c:showBubbleSize val="0"/>
         </c:dLbls>
-        <c:gapWidth val="150"/>
-        <c:overlap val="100"/>
-        <c:axId val="1468099136"/>
-        <c:axId val="1468103728"/>
+        <c:gapWidth val="219"/>
+        <c:overlap val="-27"/>
+        <c:axId val="1282540736"/>
+        <c:axId val="48818832"/>
       </c:barChart>
       <c:catAx>
-        <c:axId val="1468099136"/>
+        <c:axId val="1282540736"/>
         <c:scaling>
           <c:orientation val="minMax"/>
         </c:scaling>
@@ -329,7 +291,7 @@
             <a:endParaRPr lang="en-US"/>
           </a:p>
         </c:txPr>
-        <c:crossAx val="1468103728"/>
+        <c:crossAx val="48818832"/>
         <c:crosses val="autoZero"/>
         <c:auto val="1"/>
         <c:lblAlgn val="ctr"/>
@@ -337,7 +299,7 @@
         <c:noMultiLvlLbl val="0"/>
       </c:catAx>
       <c:valAx>
-        <c:axId val="1468103728"/>
+        <c:axId val="48818832"/>
         <c:scaling>
           <c:orientation val="minMax"/>
         </c:scaling>
@@ -388,7 +350,7 @@
             <a:endParaRPr lang="en-US"/>
           </a:p>
         </c:txPr>
-        <c:crossAx val="1468099136"/>
+        <c:crossAx val="1282540736"/>
         <c:crosses val="autoZero"/>
         <c:crossBetween val="between"/>
       </c:valAx>
@@ -480,6 +442,39 @@
   </mc:AlternateContent>
   <c:chart>
     <c:title>
+      <c:tx>
+        <c:rich>
+          <a:bodyPr rot="0" spcFirstLastPara="1" vertOverflow="ellipsis" vert="horz" wrap="square" anchor="ctr" anchorCtr="1"/>
+          <a:lstStyle/>
+          <a:p>
+            <a:pPr>
+              <a:defRPr sz="1862" b="0" i="0" u="none" strike="noStrike" kern="1200" spc="0" baseline="0">
+                <a:solidFill>
+                  <a:schemeClr val="tx1">
+                    <a:lumMod val="65000"/>
+                    <a:lumOff val="35000"/>
+                  </a:schemeClr>
+                </a:solidFill>
+                <a:latin typeface="+mn-lt"/>
+                <a:ea typeface="+mn-ea"/>
+                <a:cs typeface="+mn-cs"/>
+              </a:defRPr>
+            </a:pPr>
+            <a:r>
+              <a:rPr lang="en-US" dirty="0"/>
+              <a:t>Execution</a:t>
+            </a:r>
+            <a:r>
+              <a:rPr lang="en-US" baseline="0" dirty="0"/>
+              <a:t> time</a:t>
+            </a:r>
+            <a:r>
+              <a:rPr lang="en-US" dirty="0"/>
+              <a:t> in milliseconds</a:t>
+            </a:r>
+          </a:p>
+        </c:rich>
+      </c:tx>
       <c:overlay val="0"/>
       <c:spPr>
         <a:noFill/>
@@ -514,7 +509,7 @@
       <c:layout/>
       <c:barChart>
         <c:barDir val="col"/>
-        <c:grouping val="clustered"/>
+        <c:grouping val="stacked"/>
         <c:varyColors val="0"/>
         <c:ser>
           <c:idx val="0"/>
@@ -525,7 +520,7 @@
               <c:strCache>
                 <c:ptCount val="1"/>
                 <c:pt idx="0">
-                  <c:v>Memory alloced in MiB after sort</c:v>
+                  <c:v>Time in milliseconds</c:v>
                 </c:pt>
               </c:strCache>
             </c:strRef>
@@ -549,7 +544,7 @@
                   <c:v>Quick Sort</c:v>
                 </c:pt>
                 <c:pt idx="1">
-                  <c:v>Heap Sort</c:v>
+                  <c:v>Heap Sort </c:v>
                 </c:pt>
                 <c:pt idx="2">
                   <c:v>Merge Sort</c:v>
@@ -564,20 +559,20 @@
                 <c:formatCode>General</c:formatCode>
                 <c:ptCount val="3"/>
                 <c:pt idx="0">
-                  <c:v>2194</c:v>
+                  <c:v>98.3</c:v>
                 </c:pt>
                 <c:pt idx="1">
-                  <c:v>740</c:v>
+                  <c:v>217.61</c:v>
                 </c:pt>
                 <c:pt idx="2">
-                  <c:v>1012</c:v>
+                  <c:v>123.11</c:v>
                 </c:pt>
               </c:numCache>
             </c:numRef>
           </c:val>
           <c:extLst>
             <c:ext xmlns:c16="http://schemas.microsoft.com/office/drawing/2014/chart" uri="{C3380CC4-5D6E-409C-BE32-E72D297353CC}">
-              <c16:uniqueId val="{00000000-B7C2-E14C-97CF-D1146EF37C59}"/>
+              <c16:uniqueId val="{00000000-53B3-5846-B714-BAC8693C8314}"/>
             </c:ext>
           </c:extLst>
         </c:ser>
@@ -589,12 +584,13 @@
           <c:showPercent val="0"/>
           <c:showBubbleSize val="0"/>
         </c:dLbls>
-        <c:gapWidth val="219"/>
-        <c:axId val="1234470464"/>
-        <c:axId val="1234472912"/>
+        <c:gapWidth val="150"/>
+        <c:overlap val="100"/>
+        <c:axId val="1468099136"/>
+        <c:axId val="1468103728"/>
       </c:barChart>
       <c:catAx>
-        <c:axId val="1234470464"/>
+        <c:axId val="1468099136"/>
         <c:scaling>
           <c:orientation val="minMax"/>
         </c:scaling>
@@ -637,7 +633,7 @@
             <a:endParaRPr lang="en-US"/>
           </a:p>
         </c:txPr>
-        <c:crossAx val="1234472912"/>
+        <c:crossAx val="1468103728"/>
         <c:crosses val="autoZero"/>
         <c:auto val="1"/>
         <c:lblAlgn val="ctr"/>
@@ -645,7 +641,7 @@
         <c:noMultiLvlLbl val="0"/>
       </c:catAx>
       <c:valAx>
-        <c:axId val="1234472912"/>
+        <c:axId val="1468103728"/>
         <c:scaling>
           <c:orientation val="minMax"/>
         </c:scaling>
@@ -696,7 +692,349 @@
             <a:endParaRPr lang="en-US"/>
           </a:p>
         </c:txPr>
-        <c:crossAx val="1234470464"/>
+        <c:crossAx val="1468099136"/>
+        <c:crosses val="autoZero"/>
+        <c:crossBetween val="between"/>
+      </c:valAx>
+      <c:spPr>
+        <a:noFill/>
+        <a:ln>
+          <a:noFill/>
+        </a:ln>
+        <a:effectLst/>
+      </c:spPr>
+    </c:plotArea>
+    <c:legend>
+      <c:legendPos val="b"/>
+      <c:overlay val="0"/>
+      <c:spPr>
+        <a:noFill/>
+        <a:ln>
+          <a:noFill/>
+        </a:ln>
+        <a:effectLst/>
+      </c:spPr>
+      <c:txPr>
+        <a:bodyPr rot="0" spcFirstLastPara="1" vertOverflow="ellipsis" vert="horz" wrap="square" anchor="ctr" anchorCtr="1"/>
+        <a:lstStyle/>
+        <a:p>
+          <a:pPr>
+            <a:defRPr sz="1197" b="0" i="0" u="none" strike="noStrike" kern="1200" baseline="0">
+              <a:solidFill>
+                <a:schemeClr val="tx1">
+                  <a:lumMod val="65000"/>
+                  <a:lumOff val="35000"/>
+                </a:schemeClr>
+              </a:solidFill>
+              <a:latin typeface="+mn-lt"/>
+              <a:ea typeface="+mn-ea"/>
+              <a:cs typeface="+mn-cs"/>
+            </a:defRPr>
+          </a:pPr>
+          <a:endParaRPr lang="en-US"/>
+        </a:p>
+      </c:txPr>
+    </c:legend>
+    <c:plotVisOnly val="1"/>
+    <c:dispBlanksAs val="gap"/>
+    <c:extLst>
+      <c:ext xmlns:c16r3="http://schemas.microsoft.com/office/drawing/2017/03/chart" uri="{56B9EC1D-385E-4148-901F-78D8002777C0}">
+        <c16r3:dataDisplayOptions16>
+          <c16r3:dispNaAsBlank val="1"/>
+        </c16r3:dataDisplayOptions16>
+      </c:ext>
+    </c:extLst>
+    <c:showDLblsOverMax val="0"/>
+  </c:chart>
+  <c:spPr>
+    <a:noFill/>
+    <a:ln>
+      <a:noFill/>
+    </a:ln>
+    <a:effectLst/>
+  </c:spPr>
+  <c:txPr>
+    <a:bodyPr/>
+    <a:lstStyle/>
+    <a:p>
+      <a:pPr>
+        <a:defRPr/>
+      </a:pPr>
+      <a:endParaRPr lang="en-US"/>
+    </a:p>
+  </c:txPr>
+  <c:externalData r:id="rId3">
+    <c:autoUpdate val="0"/>
+  </c:externalData>
+</c:chartSpace>
+</file>
+
+<file path=ppt/charts/chart3.xml><?xml version="1.0" encoding="utf-8"?>
+<c:chartSpace xmlns:c="http://schemas.openxmlformats.org/drawingml/2006/chart" xmlns:a="http://schemas.openxmlformats.org/drawingml/2006/main" xmlns:r="http://schemas.openxmlformats.org/officeDocument/2006/relationships" xmlns:c16r2="http://schemas.microsoft.com/office/drawing/2015/06/chart">
+  <c:date1904 val="0"/>
+  <c:lang val="en-US"/>
+  <c:roundedCorners val="0"/>
+  <mc:AlternateContent xmlns:mc="http://schemas.openxmlformats.org/markup-compatibility/2006">
+    <mc:Choice xmlns:c14="http://schemas.microsoft.com/office/drawing/2007/8/2/chart" Requires="c14">
+      <c14:style val="102"/>
+    </mc:Choice>
+    <mc:Fallback>
+      <c:style val="2"/>
+    </mc:Fallback>
+  </mc:AlternateContent>
+  <c:chart>
+    <c:title>
+      <c:tx>
+        <c:rich>
+          <a:bodyPr rot="0" spcFirstLastPara="1" vertOverflow="ellipsis" vert="horz" wrap="square" anchor="ctr" anchorCtr="1"/>
+          <a:lstStyle/>
+          <a:p>
+            <a:pPr>
+              <a:defRPr sz="1862" b="0" i="0" u="none" strike="noStrike" kern="1200" spc="0" baseline="0">
+                <a:solidFill>
+                  <a:schemeClr val="tx1">
+                    <a:lumMod val="65000"/>
+                    <a:lumOff val="35000"/>
+                  </a:schemeClr>
+                </a:solidFill>
+                <a:latin typeface="+mn-lt"/>
+                <a:ea typeface="+mn-ea"/>
+                <a:cs typeface="+mn-cs"/>
+              </a:defRPr>
+            </a:pPr>
+            <a:r>
+              <a:rPr lang="en-US" dirty="0"/>
+              <a:t>Execution</a:t>
+            </a:r>
+            <a:r>
+              <a:rPr lang="en-US" baseline="0" dirty="0"/>
+              <a:t> time</a:t>
+            </a:r>
+            <a:r>
+              <a:rPr lang="en-US" dirty="0"/>
+              <a:t> in milliseconds</a:t>
+            </a:r>
+          </a:p>
+        </c:rich>
+      </c:tx>
+      <c:overlay val="0"/>
+      <c:spPr>
+        <a:noFill/>
+        <a:ln>
+          <a:noFill/>
+        </a:ln>
+        <a:effectLst/>
+      </c:spPr>
+      <c:txPr>
+        <a:bodyPr rot="0" spcFirstLastPara="1" vertOverflow="ellipsis" vert="horz" wrap="square" anchor="ctr" anchorCtr="1"/>
+        <a:lstStyle/>
+        <a:p>
+          <a:pPr>
+            <a:defRPr sz="1862" b="0" i="0" u="none" strike="noStrike" kern="1200" spc="0" baseline="0">
+              <a:solidFill>
+                <a:schemeClr val="tx1">
+                  <a:lumMod val="65000"/>
+                  <a:lumOff val="35000"/>
+                </a:schemeClr>
+              </a:solidFill>
+              <a:latin typeface="+mn-lt"/>
+              <a:ea typeface="+mn-ea"/>
+              <a:cs typeface="+mn-cs"/>
+            </a:defRPr>
+          </a:pPr>
+          <a:endParaRPr lang="en-US"/>
+        </a:p>
+      </c:txPr>
+    </c:title>
+    <c:autoTitleDeleted val="0"/>
+    <c:plotArea>
+      <c:layout/>
+      <c:barChart>
+        <c:barDir val="col"/>
+        <c:grouping val="stacked"/>
+        <c:varyColors val="0"/>
+        <c:ser>
+          <c:idx val="0"/>
+          <c:order val="0"/>
+          <c:tx>
+            <c:strRef>
+              <c:f>Sheet1!$B$1</c:f>
+              <c:strCache>
+                <c:ptCount val="1"/>
+                <c:pt idx="0">
+                  <c:v>Time in milliseconds</c:v>
+                </c:pt>
+              </c:strCache>
+            </c:strRef>
+          </c:tx>
+          <c:spPr>
+            <a:solidFill>
+              <a:schemeClr val="accent1"/>
+            </a:solidFill>
+            <a:ln>
+              <a:noFill/>
+            </a:ln>
+            <a:effectLst/>
+          </c:spPr>
+          <c:invertIfNegative val="0"/>
+          <c:cat>
+            <c:strRef>
+              <c:f>Sheet1!$A$2:$A$4</c:f>
+              <c:strCache>
+                <c:ptCount val="3"/>
+                <c:pt idx="0">
+                  <c:v>Quick Sort</c:v>
+                </c:pt>
+                <c:pt idx="1">
+                  <c:v>Heap Sort </c:v>
+                </c:pt>
+                <c:pt idx="2">
+                  <c:v>Merge Sort</c:v>
+                </c:pt>
+              </c:strCache>
+            </c:strRef>
+          </c:cat>
+          <c:val>
+            <c:numRef>
+              <c:f>Sheet1!$B$2:$B$4</c:f>
+              <c:numCache>
+                <c:formatCode>General</c:formatCode>
+                <c:ptCount val="3"/>
+                <c:pt idx="0">
+                  <c:v>123</c:v>
+                </c:pt>
+                <c:pt idx="1">
+                  <c:v>347.01</c:v>
+                </c:pt>
+                <c:pt idx="2">
+                  <c:v>301.06</c:v>
+                </c:pt>
+              </c:numCache>
+            </c:numRef>
+          </c:val>
+          <c:extLst>
+            <c:ext xmlns:c16="http://schemas.microsoft.com/office/drawing/2014/chart" uri="{C3380CC4-5D6E-409C-BE32-E72D297353CC}">
+              <c16:uniqueId val="{00000000-0D70-0F4D-9E41-C382523BE044}"/>
+            </c:ext>
+          </c:extLst>
+        </c:ser>
+        <c:dLbls>
+          <c:showLegendKey val="0"/>
+          <c:showVal val="0"/>
+          <c:showCatName val="0"/>
+          <c:showSerName val="0"/>
+          <c:showPercent val="0"/>
+          <c:showBubbleSize val="0"/>
+        </c:dLbls>
+        <c:gapWidth val="150"/>
+        <c:overlap val="100"/>
+        <c:axId val="1468099136"/>
+        <c:axId val="1468103728"/>
+      </c:barChart>
+      <c:catAx>
+        <c:axId val="1468099136"/>
+        <c:scaling>
+          <c:orientation val="minMax"/>
+        </c:scaling>
+        <c:delete val="0"/>
+        <c:axPos val="b"/>
+        <c:numFmt formatCode="General" sourceLinked="1"/>
+        <c:majorTickMark val="none"/>
+        <c:minorTickMark val="none"/>
+        <c:tickLblPos val="nextTo"/>
+        <c:spPr>
+          <a:noFill/>
+          <a:ln w="9525" cap="flat" cmpd="sng" algn="ctr">
+            <a:solidFill>
+              <a:schemeClr val="tx1">
+                <a:lumMod val="15000"/>
+                <a:lumOff val="85000"/>
+              </a:schemeClr>
+            </a:solidFill>
+            <a:round/>
+          </a:ln>
+          <a:effectLst/>
+        </c:spPr>
+        <c:txPr>
+          <a:bodyPr rot="-60000000" spcFirstLastPara="1" vertOverflow="ellipsis" vert="horz" wrap="square" anchor="ctr" anchorCtr="1"/>
+          <a:lstStyle/>
+          <a:p>
+            <a:pPr>
+              <a:defRPr sz="1197" b="0" i="0" u="none" strike="noStrike" kern="1200" baseline="0">
+                <a:solidFill>
+                  <a:schemeClr val="tx1">
+                    <a:lumMod val="65000"/>
+                    <a:lumOff val="35000"/>
+                  </a:schemeClr>
+                </a:solidFill>
+                <a:latin typeface="+mn-lt"/>
+                <a:ea typeface="+mn-ea"/>
+                <a:cs typeface="+mn-cs"/>
+              </a:defRPr>
+            </a:pPr>
+            <a:endParaRPr lang="en-US"/>
+          </a:p>
+        </c:txPr>
+        <c:crossAx val="1468103728"/>
+        <c:crosses val="autoZero"/>
+        <c:auto val="1"/>
+        <c:lblAlgn val="ctr"/>
+        <c:lblOffset val="100"/>
+        <c:noMultiLvlLbl val="0"/>
+      </c:catAx>
+      <c:valAx>
+        <c:axId val="1468103728"/>
+        <c:scaling>
+          <c:orientation val="minMax"/>
+        </c:scaling>
+        <c:delete val="0"/>
+        <c:axPos val="l"/>
+        <c:majorGridlines>
+          <c:spPr>
+            <a:ln w="9525" cap="flat" cmpd="sng" algn="ctr">
+              <a:solidFill>
+                <a:schemeClr val="tx1">
+                  <a:lumMod val="15000"/>
+                  <a:lumOff val="85000"/>
+                </a:schemeClr>
+              </a:solidFill>
+              <a:round/>
+            </a:ln>
+            <a:effectLst/>
+          </c:spPr>
+        </c:majorGridlines>
+        <c:numFmt formatCode="General" sourceLinked="1"/>
+        <c:majorTickMark val="none"/>
+        <c:minorTickMark val="none"/>
+        <c:tickLblPos val="nextTo"/>
+        <c:spPr>
+          <a:noFill/>
+          <a:ln>
+            <a:noFill/>
+          </a:ln>
+          <a:effectLst/>
+        </c:spPr>
+        <c:txPr>
+          <a:bodyPr rot="-60000000" spcFirstLastPara="1" vertOverflow="ellipsis" vert="horz" wrap="square" anchor="ctr" anchorCtr="1"/>
+          <a:lstStyle/>
+          <a:p>
+            <a:pPr>
+              <a:defRPr sz="1197" b="0" i="0" u="none" strike="noStrike" kern="1200" baseline="0">
+                <a:solidFill>
+                  <a:schemeClr val="tx1">
+                    <a:lumMod val="65000"/>
+                    <a:lumOff val="35000"/>
+                  </a:schemeClr>
+                </a:solidFill>
+                <a:latin typeface="+mn-lt"/>
+                <a:ea typeface="+mn-ea"/>
+                <a:cs typeface="+mn-cs"/>
+              </a:defRPr>
+            </a:pPr>
+            <a:endParaRPr lang="en-US"/>
+          </a:p>
+        </c:txPr>
+        <c:crossAx val="1468099136"/>
         <c:crosses val="autoZero"/>
         <c:crossBetween val="between"/>
       </c:valAx>
@@ -853,7 +1191,550 @@
 </cs:colorStyle>
 </file>
 
+<file path=ppt/charts/colors3.xml><?xml version="1.0" encoding="utf-8"?>
+<cs:colorStyle xmlns:cs="http://schemas.microsoft.com/office/drawing/2012/chartStyle" xmlns:a="http://schemas.openxmlformats.org/drawingml/2006/main" meth="cycle" id="10">
+  <a:schemeClr val="accent1"/>
+  <a:schemeClr val="accent2"/>
+  <a:schemeClr val="accent3"/>
+  <a:schemeClr val="accent4"/>
+  <a:schemeClr val="accent5"/>
+  <a:schemeClr val="accent6"/>
+  <cs:variation/>
+  <cs:variation>
+    <a:lumMod val="60000"/>
+  </cs:variation>
+  <cs:variation>
+    <a:lumMod val="80000"/>
+    <a:lumOff val="20000"/>
+  </cs:variation>
+  <cs:variation>
+    <a:lumMod val="80000"/>
+  </cs:variation>
+  <cs:variation>
+    <a:lumMod val="60000"/>
+    <a:lumOff val="40000"/>
+  </cs:variation>
+  <cs:variation>
+    <a:lumMod val="50000"/>
+  </cs:variation>
+  <cs:variation>
+    <a:lumMod val="70000"/>
+    <a:lumOff val="30000"/>
+  </cs:variation>
+  <cs:variation>
+    <a:lumMod val="70000"/>
+  </cs:variation>
+  <cs:variation>
+    <a:lumMod val="50000"/>
+    <a:lumOff val="50000"/>
+  </cs:variation>
+</cs:colorStyle>
+</file>
+
 <file path=ppt/charts/style1.xml><?xml version="1.0" encoding="utf-8"?>
+<cs:chartStyle xmlns:cs="http://schemas.microsoft.com/office/drawing/2012/chartStyle" xmlns:a="http://schemas.openxmlformats.org/drawingml/2006/main" id="201">
+  <cs:axisTitle>
+    <cs:lnRef idx="0"/>
+    <cs:fillRef idx="0"/>
+    <cs:effectRef idx="0"/>
+    <cs:fontRef idx="minor">
+      <a:schemeClr val="tx1">
+        <a:lumMod val="65000"/>
+        <a:lumOff val="35000"/>
+      </a:schemeClr>
+    </cs:fontRef>
+    <cs:defRPr sz="1330" kern="1200"/>
+  </cs:axisTitle>
+  <cs:categoryAxis>
+    <cs:lnRef idx="0"/>
+    <cs:fillRef idx="0"/>
+    <cs:effectRef idx="0"/>
+    <cs:fontRef idx="minor">
+      <a:schemeClr val="tx1">
+        <a:lumMod val="65000"/>
+        <a:lumOff val="35000"/>
+      </a:schemeClr>
+    </cs:fontRef>
+    <cs:spPr>
+      <a:ln w="9525" cap="flat" cmpd="sng" algn="ctr">
+        <a:solidFill>
+          <a:schemeClr val="tx1">
+            <a:lumMod val="15000"/>
+            <a:lumOff val="85000"/>
+          </a:schemeClr>
+        </a:solidFill>
+        <a:round/>
+      </a:ln>
+    </cs:spPr>
+    <cs:defRPr sz="1197" kern="1200"/>
+  </cs:categoryAxis>
+  <cs:chartArea mods="allowNoFillOverride allowNoLineOverride">
+    <cs:lnRef idx="0"/>
+    <cs:fillRef idx="0"/>
+    <cs:effectRef idx="0"/>
+    <cs:fontRef idx="minor">
+      <a:schemeClr val="tx1"/>
+    </cs:fontRef>
+    <cs:spPr>
+      <a:solidFill>
+        <a:schemeClr val="bg1"/>
+      </a:solidFill>
+      <a:ln w="9525" cap="flat" cmpd="sng" algn="ctr">
+        <a:solidFill>
+          <a:schemeClr val="tx1">
+            <a:lumMod val="15000"/>
+            <a:lumOff val="85000"/>
+          </a:schemeClr>
+        </a:solidFill>
+        <a:round/>
+      </a:ln>
+    </cs:spPr>
+    <cs:defRPr sz="1330" kern="1200"/>
+  </cs:chartArea>
+  <cs:dataLabel>
+    <cs:lnRef idx="0"/>
+    <cs:fillRef idx="0"/>
+    <cs:effectRef idx="0"/>
+    <cs:fontRef idx="minor">
+      <a:schemeClr val="tx1">
+        <a:lumMod val="75000"/>
+        <a:lumOff val="25000"/>
+      </a:schemeClr>
+    </cs:fontRef>
+    <cs:defRPr sz="1197" kern="1200"/>
+  </cs:dataLabel>
+  <cs:dataLabelCallout>
+    <cs:lnRef idx="0"/>
+    <cs:fillRef idx="0"/>
+    <cs:effectRef idx="0"/>
+    <cs:fontRef idx="minor">
+      <a:schemeClr val="dk1">
+        <a:lumMod val="65000"/>
+        <a:lumOff val="35000"/>
+      </a:schemeClr>
+    </cs:fontRef>
+    <cs:spPr>
+      <a:solidFill>
+        <a:schemeClr val="lt1"/>
+      </a:solidFill>
+      <a:ln>
+        <a:solidFill>
+          <a:schemeClr val="dk1">
+            <a:lumMod val="25000"/>
+            <a:lumOff val="75000"/>
+          </a:schemeClr>
+        </a:solidFill>
+      </a:ln>
+    </cs:spPr>
+    <cs:defRPr sz="1197" kern="1200"/>
+    <cs:bodyPr rot="0" spcFirstLastPara="1" vertOverflow="clip" horzOverflow="clip" vert="horz" wrap="square" lIns="36576" tIns="18288" rIns="36576" bIns="18288" anchor="ctr" anchorCtr="1">
+      <a:spAutoFit/>
+    </cs:bodyPr>
+  </cs:dataLabelCallout>
+  <cs:dataPoint>
+    <cs:lnRef idx="0"/>
+    <cs:fillRef idx="1">
+      <cs:styleClr val="auto"/>
+    </cs:fillRef>
+    <cs:effectRef idx="0"/>
+    <cs:fontRef idx="minor">
+      <a:schemeClr val="tx1"/>
+    </cs:fontRef>
+  </cs:dataPoint>
+  <cs:dataPoint3D>
+    <cs:lnRef idx="0"/>
+    <cs:fillRef idx="1">
+      <cs:styleClr val="auto"/>
+    </cs:fillRef>
+    <cs:effectRef idx="0"/>
+    <cs:fontRef idx="minor">
+      <a:schemeClr val="tx1"/>
+    </cs:fontRef>
+  </cs:dataPoint3D>
+  <cs:dataPointLine>
+    <cs:lnRef idx="0">
+      <cs:styleClr val="auto"/>
+    </cs:lnRef>
+    <cs:fillRef idx="1"/>
+    <cs:effectRef idx="0"/>
+    <cs:fontRef idx="minor">
+      <a:schemeClr val="tx1"/>
+    </cs:fontRef>
+    <cs:spPr>
+      <a:ln w="28575" cap="rnd">
+        <a:solidFill>
+          <a:schemeClr val="phClr"/>
+        </a:solidFill>
+        <a:round/>
+      </a:ln>
+    </cs:spPr>
+  </cs:dataPointLine>
+  <cs:dataPointMarker>
+    <cs:lnRef idx="0">
+      <cs:styleClr val="auto"/>
+    </cs:lnRef>
+    <cs:fillRef idx="1">
+      <cs:styleClr val="auto"/>
+    </cs:fillRef>
+    <cs:effectRef idx="0"/>
+    <cs:fontRef idx="minor">
+      <a:schemeClr val="tx1"/>
+    </cs:fontRef>
+    <cs:spPr>
+      <a:ln w="9525">
+        <a:solidFill>
+          <a:schemeClr val="phClr"/>
+        </a:solidFill>
+      </a:ln>
+    </cs:spPr>
+  </cs:dataPointMarker>
+  <cs:dataPointMarkerLayout symbol="circle" size="5"/>
+  <cs:dataPointWireframe>
+    <cs:lnRef idx="0">
+      <cs:styleClr val="auto"/>
+    </cs:lnRef>
+    <cs:fillRef idx="1"/>
+    <cs:effectRef idx="0"/>
+    <cs:fontRef idx="minor">
+      <a:schemeClr val="tx1"/>
+    </cs:fontRef>
+    <cs:spPr>
+      <a:ln w="9525" cap="rnd">
+        <a:solidFill>
+          <a:schemeClr val="phClr"/>
+        </a:solidFill>
+        <a:round/>
+      </a:ln>
+    </cs:spPr>
+  </cs:dataPointWireframe>
+  <cs:dataTable>
+    <cs:lnRef idx="0"/>
+    <cs:fillRef idx="0"/>
+    <cs:effectRef idx="0"/>
+    <cs:fontRef idx="minor">
+      <a:schemeClr val="tx1">
+        <a:lumMod val="65000"/>
+        <a:lumOff val="35000"/>
+      </a:schemeClr>
+    </cs:fontRef>
+    <cs:spPr>
+      <a:noFill/>
+      <a:ln w="9525" cap="flat" cmpd="sng" algn="ctr">
+        <a:solidFill>
+          <a:schemeClr val="tx1">
+            <a:lumMod val="15000"/>
+            <a:lumOff val="85000"/>
+          </a:schemeClr>
+        </a:solidFill>
+        <a:round/>
+      </a:ln>
+    </cs:spPr>
+    <cs:defRPr sz="1197" kern="1200"/>
+  </cs:dataTable>
+  <cs:downBar>
+    <cs:lnRef idx="0"/>
+    <cs:fillRef idx="0"/>
+    <cs:effectRef idx="0"/>
+    <cs:fontRef idx="minor">
+      <a:schemeClr val="dk1"/>
+    </cs:fontRef>
+    <cs:spPr>
+      <a:solidFill>
+        <a:schemeClr val="dk1">
+          <a:lumMod val="65000"/>
+          <a:lumOff val="35000"/>
+        </a:schemeClr>
+      </a:solidFill>
+      <a:ln w="9525">
+        <a:solidFill>
+          <a:schemeClr val="tx1">
+            <a:lumMod val="65000"/>
+            <a:lumOff val="35000"/>
+          </a:schemeClr>
+        </a:solidFill>
+      </a:ln>
+    </cs:spPr>
+  </cs:downBar>
+  <cs:dropLine>
+    <cs:lnRef idx="0"/>
+    <cs:fillRef idx="0"/>
+    <cs:effectRef idx="0"/>
+    <cs:fontRef idx="minor">
+      <a:schemeClr val="tx1"/>
+    </cs:fontRef>
+    <cs:spPr>
+      <a:ln w="9525" cap="flat" cmpd="sng" algn="ctr">
+        <a:solidFill>
+          <a:schemeClr val="tx1">
+            <a:lumMod val="35000"/>
+            <a:lumOff val="65000"/>
+          </a:schemeClr>
+        </a:solidFill>
+        <a:round/>
+      </a:ln>
+    </cs:spPr>
+  </cs:dropLine>
+  <cs:errorBar>
+    <cs:lnRef idx="0"/>
+    <cs:fillRef idx="0"/>
+    <cs:effectRef idx="0"/>
+    <cs:fontRef idx="minor">
+      <a:schemeClr val="tx1"/>
+    </cs:fontRef>
+    <cs:spPr>
+      <a:ln w="9525" cap="flat" cmpd="sng" algn="ctr">
+        <a:solidFill>
+          <a:schemeClr val="tx1">
+            <a:lumMod val="65000"/>
+            <a:lumOff val="35000"/>
+          </a:schemeClr>
+        </a:solidFill>
+        <a:round/>
+      </a:ln>
+    </cs:spPr>
+  </cs:errorBar>
+  <cs:floor>
+    <cs:lnRef idx="0"/>
+    <cs:fillRef idx="0"/>
+    <cs:effectRef idx="0"/>
+    <cs:fontRef idx="minor">
+      <a:schemeClr val="tx1"/>
+    </cs:fontRef>
+    <cs:spPr>
+      <a:noFill/>
+      <a:ln>
+        <a:noFill/>
+      </a:ln>
+    </cs:spPr>
+  </cs:floor>
+  <cs:gridlineMajor>
+    <cs:lnRef idx="0"/>
+    <cs:fillRef idx="0"/>
+    <cs:effectRef idx="0"/>
+    <cs:fontRef idx="minor">
+      <a:schemeClr val="tx1"/>
+    </cs:fontRef>
+    <cs:spPr>
+      <a:ln w="9525" cap="flat" cmpd="sng" algn="ctr">
+        <a:solidFill>
+          <a:schemeClr val="tx1">
+            <a:lumMod val="15000"/>
+            <a:lumOff val="85000"/>
+          </a:schemeClr>
+        </a:solidFill>
+        <a:round/>
+      </a:ln>
+    </cs:spPr>
+  </cs:gridlineMajor>
+  <cs:gridlineMinor>
+    <cs:lnRef idx="0"/>
+    <cs:fillRef idx="0"/>
+    <cs:effectRef idx="0"/>
+    <cs:fontRef idx="minor">
+      <a:schemeClr val="tx1"/>
+    </cs:fontRef>
+    <cs:spPr>
+      <a:ln w="9525" cap="flat" cmpd="sng" algn="ctr">
+        <a:solidFill>
+          <a:schemeClr val="tx1">
+            <a:lumMod val="5000"/>
+            <a:lumOff val="95000"/>
+          </a:schemeClr>
+        </a:solidFill>
+        <a:round/>
+      </a:ln>
+    </cs:spPr>
+  </cs:gridlineMinor>
+  <cs:hiLoLine>
+    <cs:lnRef idx="0"/>
+    <cs:fillRef idx="0"/>
+    <cs:effectRef idx="0"/>
+    <cs:fontRef idx="minor">
+      <a:schemeClr val="tx1"/>
+    </cs:fontRef>
+    <cs:spPr>
+      <a:ln w="9525" cap="flat" cmpd="sng" algn="ctr">
+        <a:solidFill>
+          <a:schemeClr val="tx1">
+            <a:lumMod val="75000"/>
+            <a:lumOff val="25000"/>
+          </a:schemeClr>
+        </a:solidFill>
+        <a:round/>
+      </a:ln>
+    </cs:spPr>
+  </cs:hiLoLine>
+  <cs:leaderLine>
+    <cs:lnRef idx="0"/>
+    <cs:fillRef idx="0"/>
+    <cs:effectRef idx="0"/>
+    <cs:fontRef idx="minor">
+      <a:schemeClr val="tx1"/>
+    </cs:fontRef>
+    <cs:spPr>
+      <a:ln w="9525" cap="flat" cmpd="sng" algn="ctr">
+        <a:solidFill>
+          <a:schemeClr val="tx1">
+            <a:lumMod val="35000"/>
+            <a:lumOff val="65000"/>
+          </a:schemeClr>
+        </a:solidFill>
+        <a:round/>
+      </a:ln>
+    </cs:spPr>
+  </cs:leaderLine>
+  <cs:legend>
+    <cs:lnRef idx="0"/>
+    <cs:fillRef idx="0"/>
+    <cs:effectRef idx="0"/>
+    <cs:fontRef idx="minor">
+      <a:schemeClr val="tx1">
+        <a:lumMod val="65000"/>
+        <a:lumOff val="35000"/>
+      </a:schemeClr>
+    </cs:fontRef>
+    <cs:defRPr sz="1197" kern="1200"/>
+  </cs:legend>
+  <cs:plotArea mods="allowNoFillOverride allowNoLineOverride">
+    <cs:lnRef idx="0"/>
+    <cs:fillRef idx="0"/>
+    <cs:effectRef idx="0"/>
+    <cs:fontRef idx="minor">
+      <a:schemeClr val="tx1"/>
+    </cs:fontRef>
+  </cs:plotArea>
+  <cs:plotArea3D mods="allowNoFillOverride allowNoLineOverride">
+    <cs:lnRef idx="0"/>
+    <cs:fillRef idx="0"/>
+    <cs:effectRef idx="0"/>
+    <cs:fontRef idx="minor">
+      <a:schemeClr val="tx1"/>
+    </cs:fontRef>
+  </cs:plotArea3D>
+  <cs:seriesAxis>
+    <cs:lnRef idx="0"/>
+    <cs:fillRef idx="0"/>
+    <cs:effectRef idx="0"/>
+    <cs:fontRef idx="minor">
+      <a:schemeClr val="tx1">
+        <a:lumMod val="65000"/>
+        <a:lumOff val="35000"/>
+      </a:schemeClr>
+    </cs:fontRef>
+    <cs:defRPr sz="1197" kern="1200"/>
+  </cs:seriesAxis>
+  <cs:seriesLine>
+    <cs:lnRef idx="0"/>
+    <cs:fillRef idx="0"/>
+    <cs:effectRef idx="0"/>
+    <cs:fontRef idx="minor">
+      <a:schemeClr val="tx1"/>
+    </cs:fontRef>
+    <cs:spPr>
+      <a:ln w="9525" cap="flat" cmpd="sng" algn="ctr">
+        <a:solidFill>
+          <a:schemeClr val="tx1">
+            <a:lumMod val="35000"/>
+            <a:lumOff val="65000"/>
+          </a:schemeClr>
+        </a:solidFill>
+        <a:round/>
+      </a:ln>
+    </cs:spPr>
+  </cs:seriesLine>
+  <cs:title>
+    <cs:lnRef idx="0"/>
+    <cs:fillRef idx="0"/>
+    <cs:effectRef idx="0"/>
+    <cs:fontRef idx="minor">
+      <a:schemeClr val="tx1">
+        <a:lumMod val="65000"/>
+        <a:lumOff val="35000"/>
+      </a:schemeClr>
+    </cs:fontRef>
+    <cs:defRPr sz="1862" b="0" kern="1200" spc="0" baseline="0"/>
+  </cs:title>
+  <cs:trendline>
+    <cs:lnRef idx="0">
+      <cs:styleClr val="auto"/>
+    </cs:lnRef>
+    <cs:fillRef idx="0"/>
+    <cs:effectRef idx="0"/>
+    <cs:fontRef idx="minor">
+      <a:schemeClr val="tx1"/>
+    </cs:fontRef>
+    <cs:spPr>
+      <a:ln w="19050" cap="rnd">
+        <a:solidFill>
+          <a:schemeClr val="phClr"/>
+        </a:solidFill>
+        <a:prstDash val="sysDot"/>
+      </a:ln>
+    </cs:spPr>
+  </cs:trendline>
+  <cs:trendlineLabel>
+    <cs:lnRef idx="0"/>
+    <cs:fillRef idx="0"/>
+    <cs:effectRef idx="0"/>
+    <cs:fontRef idx="minor">
+      <a:schemeClr val="tx1">
+        <a:lumMod val="65000"/>
+        <a:lumOff val="35000"/>
+      </a:schemeClr>
+    </cs:fontRef>
+    <cs:defRPr sz="1197" kern="1200"/>
+  </cs:trendlineLabel>
+  <cs:upBar>
+    <cs:lnRef idx="0"/>
+    <cs:fillRef idx="0"/>
+    <cs:effectRef idx="0"/>
+    <cs:fontRef idx="minor">
+      <a:schemeClr val="dk1"/>
+    </cs:fontRef>
+    <cs:spPr>
+      <a:solidFill>
+        <a:schemeClr val="lt1"/>
+      </a:solidFill>
+      <a:ln w="9525">
+        <a:solidFill>
+          <a:schemeClr val="tx1">
+            <a:lumMod val="15000"/>
+            <a:lumOff val="85000"/>
+          </a:schemeClr>
+        </a:solidFill>
+      </a:ln>
+    </cs:spPr>
+  </cs:upBar>
+  <cs:valueAxis>
+    <cs:lnRef idx="0"/>
+    <cs:fillRef idx="0"/>
+    <cs:effectRef idx="0"/>
+    <cs:fontRef idx="minor">
+      <a:schemeClr val="tx1">
+        <a:lumMod val="65000"/>
+        <a:lumOff val="35000"/>
+      </a:schemeClr>
+    </cs:fontRef>
+    <cs:defRPr sz="1197" kern="1200"/>
+  </cs:valueAxis>
+  <cs:wall>
+    <cs:lnRef idx="0"/>
+    <cs:fillRef idx="0"/>
+    <cs:effectRef idx="0"/>
+    <cs:fontRef idx="minor">
+      <a:schemeClr val="tx1"/>
+    </cs:fontRef>
+    <cs:spPr>
+      <a:noFill/>
+      <a:ln>
+        <a:noFill/>
+      </a:ln>
+    </cs:spPr>
+  </cs:wall>
+</cs:chartStyle>
+</file>
+
+<file path=ppt/charts/style2.xml><?xml version="1.0" encoding="utf-8"?>
 <cs:chartStyle xmlns:cs="http://schemas.microsoft.com/office/drawing/2012/chartStyle" xmlns:a="http://schemas.openxmlformats.org/drawingml/2006/main" id="297">
   <cs:axisTitle>
     <cs:lnRef idx="0"/>
@@ -1358,8 +2239,8 @@
 </cs:chartStyle>
 </file>
 
-<file path=ppt/charts/style2.xml><?xml version="1.0" encoding="utf-8"?>
-<cs:chartStyle xmlns:cs="http://schemas.microsoft.com/office/drawing/2012/chartStyle" xmlns:a="http://schemas.openxmlformats.org/drawingml/2006/main" id="201">
+<file path=ppt/charts/style3.xml><?xml version="1.0" encoding="utf-8"?>
+<cs:chartStyle xmlns:cs="http://schemas.microsoft.com/office/drawing/2012/chartStyle" xmlns:a="http://schemas.openxmlformats.org/drawingml/2006/main" id="297">
   <cs:axisTitle>
     <cs:lnRef idx="0"/>
     <cs:fillRef idx="0"/>
@@ -1563,22 +2444,23 @@
     <cs:fillRef idx="0"/>
     <cs:effectRef idx="0"/>
     <cs:fontRef idx="minor">
-      <a:schemeClr val="dk1"/>
+      <a:schemeClr val="tx1"/>
     </cs:fontRef>
     <cs:spPr>
       <a:solidFill>
         <a:schemeClr val="dk1">
-          <a:lumMod val="65000"/>
-          <a:lumOff val="35000"/>
+          <a:lumMod val="75000"/>
+          <a:lumOff val="25000"/>
         </a:schemeClr>
       </a:solidFill>
-      <a:ln w="9525">
+      <a:ln w="9525" cap="flat" cmpd="sng" algn="ctr">
         <a:solidFill>
           <a:schemeClr val="tx1">
             <a:lumMod val="65000"/>
             <a:lumOff val="35000"/>
           </a:schemeClr>
         </a:solidFill>
+        <a:round/>
       </a:ln>
     </cs:spPr>
   </cs:downBar>
@@ -1683,8 +2565,8 @@
       <a:ln w="9525" cap="flat" cmpd="sng" algn="ctr">
         <a:solidFill>
           <a:schemeClr val="tx1">
-            <a:lumMod val="75000"/>
-            <a:lumOff val="25000"/>
+            <a:lumMod val="50000"/>
+            <a:lumOff val="50000"/>
           </a:schemeClr>
         </a:solidFill>
         <a:round/>
@@ -1816,19 +2698,20 @@
     <cs:fillRef idx="0"/>
     <cs:effectRef idx="0"/>
     <cs:fontRef idx="minor">
-      <a:schemeClr val="dk1"/>
+      <a:schemeClr val="tx1"/>
     </cs:fontRef>
     <cs:spPr>
       <a:solidFill>
         <a:schemeClr val="lt1"/>
       </a:solidFill>
-      <a:ln w="9525">
+      <a:ln w="9525" cap="flat" cmpd="sng" algn="ctr">
         <a:solidFill>
           <a:schemeClr val="tx1">
-            <a:lumMod val="15000"/>
-            <a:lumOff val="85000"/>
+            <a:lumMod val="65000"/>
+            <a:lumOff val="35000"/>
           </a:schemeClr>
         </a:solidFill>
+        <a:round/>
       </a:ln>
     </cs:spPr>
   </cs:upBar>
@@ -1943,7 +2826,7 @@
           <a:p>
             <a:fld id="{FBAC0EEF-7924-A640-B9B3-AA3670F94EB1}" type="datetimeFigureOut">
               <a:rPr lang="en-US" smtClean="0"/>
-              <a:t>11/27/23</a:t>
+              <a:t>11/29/23</a:t>
             </a:fld>
             <a:endParaRPr lang="en-US"/>
           </a:p>
@@ -2278,7 +3161,7 @@
           <a:p>
             <a:fld id="{60834F72-B745-624A-BED2-DB54941CA8D5}" type="slidenum">
               <a:rPr lang="en-US" smtClean="0"/>
-              <a:t>8</a:t>
+              <a:t>6</a:t>
             </a:fld>
             <a:endParaRPr lang="en-US"/>
           </a:p>
@@ -2392,7 +3275,7 @@
           <a:effectLst/>
           <a:extLst>
             <a:ext uri="{91240B29-F687-4f45-9708-019B960494DF}">
-              <a14:hiddenLine xmlns:a14="http://schemas.microsoft.com/office/drawing/2010/main" xmlns="" w="9525">
+              <a14:hiddenLine xmlns="" xmlns:a14="http://schemas.microsoft.com/office/drawing/2010/main" w="9525">
                 <a:solidFill>
                   <a:srgbClr val="000000"/>
                 </a:solidFill>
@@ -2584,7 +3467,7 @@
           <a:p>
             <a:fld id="{8F726B5E-6FDE-4E40-B47E-9E15F334794D}" type="datetimeFigureOut">
               <a:rPr lang="en-US" smtClean="0"/>
-              <a:t>11/26/23</a:t>
+              <a:t>11/29/23</a:t>
             </a:fld>
             <a:endParaRPr lang="en-US"/>
           </a:p>
@@ -2902,7 +3785,7 @@
           <a:p>
             <a:fld id="{8F726B5E-6FDE-4E40-B47E-9E15F334794D}" type="datetimeFigureOut">
               <a:rPr lang="en-US" smtClean="0"/>
-              <a:t>11/26/23</a:t>
+              <a:t>11/29/23</a:t>
             </a:fld>
             <a:endParaRPr lang="en-US"/>
           </a:p>
@@ -3390,7 +4273,7 @@
           <a:p>
             <a:fld id="{8F726B5E-6FDE-4E40-B47E-9E15F334794D}" type="datetimeFigureOut">
               <a:rPr lang="en-US" smtClean="0"/>
-              <a:t>11/26/23</a:t>
+              <a:t>11/29/23</a:t>
             </a:fld>
             <a:endParaRPr lang="en-US"/>
           </a:p>
@@ -3759,7 +4642,7 @@
           <a:p>
             <a:fld id="{8F726B5E-6FDE-4E40-B47E-9E15F334794D}" type="datetimeFigureOut">
               <a:rPr lang="en-US" smtClean="0"/>
-              <a:t>11/26/23</a:t>
+              <a:t>11/29/23</a:t>
             </a:fld>
             <a:endParaRPr lang="en-US"/>
           </a:p>
@@ -3914,7 +4797,7 @@
           <a:ln/>
           <a:extLst>
             <a:ext uri="{91240B29-F687-4f45-9708-019B960494DF}">
-              <a14:hiddenLine xmlns:a14="http://schemas.microsoft.com/office/drawing/2010/main" xmlns="" w="9525">
+              <a14:hiddenLine xmlns="" xmlns:a14="http://schemas.microsoft.com/office/drawing/2010/main" w="9525">
                 <a:solidFill>
                   <a:srgbClr val="000000"/>
                 </a:solidFill>
@@ -4032,7 +4915,7 @@
           <a:p>
             <a:fld id="{8F726B5E-6FDE-4E40-B47E-9E15F334794D}" type="datetimeFigureOut">
               <a:rPr lang="en-US" smtClean="0"/>
-              <a:t>11/26/23</a:t>
+              <a:t>11/29/23</a:t>
             </a:fld>
             <a:endParaRPr lang="en-US"/>
           </a:p>
@@ -4189,7 +5072,7 @@
           <a:ln/>
           <a:extLst>
             <a:ext uri="{91240B29-F687-4f45-9708-019B960494DF}">
-              <a14:hiddenLine xmlns:a14="http://schemas.microsoft.com/office/drawing/2010/main" xmlns="" w="9525">
+              <a14:hiddenLine xmlns="" xmlns:a14="http://schemas.microsoft.com/office/drawing/2010/main" w="9525">
                 <a:solidFill>
                   <a:srgbClr val="000000"/>
                 </a:solidFill>
@@ -4317,7 +5200,7 @@
           <a:p>
             <a:fld id="{8F726B5E-6FDE-4E40-B47E-9E15F334794D}" type="datetimeFigureOut">
               <a:rPr lang="en-US" smtClean="0"/>
-              <a:t>11/26/23</a:t>
+              <a:t>11/29/23</a:t>
             </a:fld>
             <a:endParaRPr lang="en-US"/>
           </a:p>
@@ -4472,7 +5355,7 @@
           <a:ln/>
           <a:extLst>
             <a:ext uri="{91240B29-F687-4f45-9708-019B960494DF}">
-              <a14:hiddenLine xmlns:a14="http://schemas.microsoft.com/office/drawing/2010/main" xmlns="" w="9525">
+              <a14:hiddenLine xmlns="" xmlns:a14="http://schemas.microsoft.com/office/drawing/2010/main" w="9525">
                 <a:solidFill>
                   <a:srgbClr val="000000"/>
                 </a:solidFill>
@@ -4600,7 +5483,7 @@
           <a:p>
             <a:fld id="{8F726B5E-6FDE-4E40-B47E-9E15F334794D}" type="datetimeFigureOut">
               <a:rPr lang="en-US" smtClean="0"/>
-              <a:t>11/26/23</a:t>
+              <a:t>11/29/23</a:t>
             </a:fld>
             <a:endParaRPr lang="en-US"/>
           </a:p>
@@ -4943,7 +5826,7 @@
           <a:p>
             <a:fld id="{8F726B5E-6FDE-4E40-B47E-9E15F334794D}" type="datetimeFigureOut">
               <a:rPr lang="en-US" smtClean="0"/>
-              <a:t>11/26/23</a:t>
+              <a:t>11/29/23</a:t>
             </a:fld>
             <a:endParaRPr lang="en-US"/>
           </a:p>
@@ -5098,7 +5981,7 @@
           <a:ln/>
           <a:extLst>
             <a:ext uri="{91240B29-F687-4f45-9708-019B960494DF}">
-              <a14:hiddenLine xmlns:a14="http://schemas.microsoft.com/office/drawing/2010/main" xmlns="" w="9525">
+              <a14:hiddenLine xmlns="" xmlns:a14="http://schemas.microsoft.com/office/drawing/2010/main" w="9525">
                 <a:solidFill>
                   <a:srgbClr val="000000"/>
                 </a:solidFill>
@@ -5282,7 +6165,7 @@
           <a:p>
             <a:fld id="{8F726B5E-6FDE-4E40-B47E-9E15F334794D}" type="datetimeFigureOut">
               <a:rPr lang="en-US" smtClean="0"/>
-              <a:t>11/26/23</a:t>
+              <a:t>11/29/23</a:t>
             </a:fld>
             <a:endParaRPr lang="en-US"/>
           </a:p>
@@ -5437,7 +6320,7 @@
           <a:ln/>
           <a:extLst>
             <a:ext uri="{91240B29-F687-4f45-9708-019B960494DF}">
-              <a14:hiddenLine xmlns:a14="http://schemas.microsoft.com/office/drawing/2010/main" xmlns="" w="9525">
+              <a14:hiddenLine xmlns="" xmlns:a14="http://schemas.microsoft.com/office/drawing/2010/main" w="9525">
                 <a:solidFill>
                   <a:srgbClr val="000000"/>
                 </a:solidFill>
@@ -5759,7 +6642,7 @@
           <a:p>
             <a:fld id="{8F726B5E-6FDE-4E40-B47E-9E15F334794D}" type="datetimeFigureOut">
               <a:rPr lang="en-US" smtClean="0"/>
-              <a:t>11/26/23</a:t>
+              <a:t>11/29/23</a:t>
             </a:fld>
             <a:endParaRPr lang="en-US"/>
           </a:p>
@@ -5914,7 +6797,7 @@
           <a:ln/>
           <a:extLst>
             <a:ext uri="{91240B29-F687-4f45-9708-019B960494DF}">
-              <a14:hiddenLine xmlns:a14="http://schemas.microsoft.com/office/drawing/2010/main" xmlns="" w="9525">
+              <a14:hiddenLine xmlns="" xmlns:a14="http://schemas.microsoft.com/office/drawing/2010/main" w="9525">
                 <a:solidFill>
                   <a:srgbClr val="000000"/>
                 </a:solidFill>
@@ -5980,7 +6863,7 @@
           <a:p>
             <a:fld id="{8F726B5E-6FDE-4E40-B47E-9E15F334794D}" type="datetimeFigureOut">
               <a:rPr lang="en-US" smtClean="0"/>
-              <a:t>11/26/23</a:t>
+              <a:t>11/29/23</a:t>
             </a:fld>
             <a:endParaRPr lang="en-US"/>
           </a:p>
@@ -6075,7 +6958,7 @@
           <a:p>
             <a:fld id="{8F726B5E-6FDE-4E40-B47E-9E15F334794D}" type="datetimeFigureOut">
               <a:rPr lang="en-US" smtClean="0"/>
-              <a:t>11/26/23</a:t>
+              <a:t>11/29/23</a:t>
             </a:fld>
             <a:endParaRPr lang="en-US"/>
           </a:p>
@@ -6343,7 +7226,7 @@
           <a:ln/>
           <a:extLst>
             <a:ext uri="{91240B29-F687-4f45-9708-019B960494DF}">
-              <a14:hiddenLine xmlns:a14="http://schemas.microsoft.com/office/drawing/2010/main" xmlns="" w="9525">
+              <a14:hiddenLine xmlns="" xmlns:a14="http://schemas.microsoft.com/office/drawing/2010/main" w="9525">
                 <a:solidFill>
                   <a:srgbClr val="000000"/>
                 </a:solidFill>
@@ -6542,7 +7425,7 @@
           <a:p>
             <a:fld id="{8F726B5E-6FDE-4E40-B47E-9E15F334794D}" type="datetimeFigureOut">
               <a:rPr lang="en-US" smtClean="0"/>
-              <a:t>11/26/23</a:t>
+              <a:t>11/29/23</a:t>
             </a:fld>
             <a:endParaRPr lang="en-US"/>
           </a:p>
@@ -6855,7 +7738,7 @@
           <a:p>
             <a:fld id="{8F726B5E-6FDE-4E40-B47E-9E15F334794D}" type="datetimeFigureOut">
               <a:rPr lang="en-US" smtClean="0"/>
-              <a:t>11/26/23</a:t>
+              <a:t>11/29/23</a:t>
             </a:fld>
             <a:endParaRPr lang="en-US"/>
           </a:p>
@@ -7125,7 +8008,7 @@
           <a:p>
             <a:fld id="{8F726B5E-6FDE-4E40-B47E-9E15F334794D}" type="datetimeFigureOut">
               <a:rPr lang="en-US" smtClean="0"/>
-              <a:t>11/26/23</a:t>
+              <a:t>11/29/23</a:t>
             </a:fld>
             <a:endParaRPr lang="en-US"/>
           </a:p>
@@ -7665,145 +8548,6 @@
           <p:cNvPr id="2" name="Title 1">
             <a:extLst>
               <a:ext uri="{FF2B5EF4-FFF2-40B4-BE49-F238E27FC236}">
-                <a16:creationId xmlns:a16="http://schemas.microsoft.com/office/drawing/2014/main" id="{28B3008A-0CED-9B5B-24E5-2A622FEC3FB5}"/>
-              </a:ext>
-            </a:extLst>
-          </p:cNvPr>
-          <p:cNvSpPr>
-            <a:spLocks noGrp="1"/>
-          </p:cNvSpPr>
-          <p:nvPr>
-            <p:ph type="title"/>
-          </p:nvPr>
-        </p:nvSpPr>
-        <p:spPr/>
-        <p:txBody>
-          <a:bodyPr/>
-          <a:lstStyle/>
-          <a:p>
-            <a:r>
-              <a:rPr lang="en-US" dirty="0"/>
-              <a:t>Code Repository</a:t>
-            </a:r>
-          </a:p>
-        </p:txBody>
-      </p:sp>
-      <p:sp>
-        <p:nvSpPr>
-          <p:cNvPr id="3" name="Content Placeholder 2">
-            <a:extLst>
-              <a:ext uri="{FF2B5EF4-FFF2-40B4-BE49-F238E27FC236}">
-                <a16:creationId xmlns:a16="http://schemas.microsoft.com/office/drawing/2014/main" id="{0986AE7D-33AB-763B-F2AA-4951A1D8AC8E}"/>
-              </a:ext>
-            </a:extLst>
-          </p:cNvPr>
-          <p:cNvSpPr>
-            <a:spLocks noGrp="1"/>
-          </p:cNvSpPr>
-          <p:nvPr>
-            <p:ph idx="1"/>
-          </p:nvPr>
-        </p:nvSpPr>
-        <p:spPr/>
-        <p:txBody>
-          <a:bodyPr/>
-          <a:lstStyle/>
-          <a:p>
-            <a:r>
-              <a:rPr lang="en-US" dirty="0"/>
-              <a:t>https://</a:t>
-            </a:r>
-            <a:r>
-              <a:rPr lang="en-US" dirty="0" err="1"/>
-              <a:t>github.com</a:t>
-            </a:r>
-            <a:r>
-              <a:rPr lang="en-US" dirty="0"/>
-              <a:t>/</a:t>
-            </a:r>
-            <a:r>
-              <a:rPr lang="en-US" dirty="0" err="1"/>
-              <a:t>jacksongodsey</a:t>
-            </a:r>
-            <a:r>
-              <a:rPr lang="en-US" dirty="0"/>
-              <a:t>/</a:t>
-            </a:r>
-            <a:r>
-              <a:rPr lang="en-US" dirty="0" err="1"/>
-              <a:t>moviesearch</a:t>
-            </a:r>
-            <a:endParaRPr lang="en-US" dirty="0"/>
-          </a:p>
-        </p:txBody>
-      </p:sp>
-      <p:sp>
-        <p:nvSpPr>
-          <p:cNvPr id="4" name="TextBox 3">
-            <a:extLst>
-              <a:ext uri="{FF2B5EF4-FFF2-40B4-BE49-F238E27FC236}">
-                <a16:creationId xmlns:a16="http://schemas.microsoft.com/office/drawing/2014/main" id="{FEF88DD4-B406-C618-88B2-D8E4EC73E081}"/>
-              </a:ext>
-            </a:extLst>
-          </p:cNvPr>
-          <p:cNvSpPr txBox="1"/>
-          <p:nvPr/>
-        </p:nvSpPr>
-        <p:spPr>
-          <a:xfrm>
-            <a:off x="7315200" y="3934047"/>
-            <a:ext cx="184731" cy="369332"/>
-          </a:xfrm>
-          <a:prstGeom prst="rect">
-            <a:avLst/>
-          </a:prstGeom>
-          <a:noFill/>
-        </p:spPr>
-        <p:txBody>
-          <a:bodyPr wrap="none" rtlCol="0">
-            <a:spAutoFit/>
-          </a:bodyPr>
-          <a:lstStyle/>
-          <a:p>
-            <a:endParaRPr lang="en-US" dirty="0"/>
-          </a:p>
-        </p:txBody>
-      </p:sp>
-    </p:spTree>
-    <p:extLst>
-      <p:ext uri="{BB962C8B-B14F-4D97-AF65-F5344CB8AC3E}">
-        <p14:creationId xmlns:p14="http://schemas.microsoft.com/office/powerpoint/2010/main" val="291190488"/>
-      </p:ext>
-    </p:extLst>
-  </p:cSld>
-  <p:clrMapOvr>
-    <a:masterClrMapping/>
-  </p:clrMapOvr>
-</p:sld>
-</file>
-
-<file path=ppt/slides/slide11.xml><?xml version="1.0" encoding="utf-8"?>
-<p:sld xmlns:a="http://schemas.openxmlformats.org/drawingml/2006/main" xmlns:r="http://schemas.openxmlformats.org/officeDocument/2006/relationships" xmlns:p="http://schemas.openxmlformats.org/presentationml/2006/main">
-  <p:cSld>
-    <p:spTree>
-      <p:nvGrpSpPr>
-        <p:cNvPr id="1" name=""/>
-        <p:cNvGrpSpPr/>
-        <p:nvPr/>
-      </p:nvGrpSpPr>
-      <p:grpSpPr>
-        <a:xfrm>
-          <a:off x="0" y="0"/>
-          <a:ext cx="0" cy="0"/>
-          <a:chOff x="0" y="0"/>
-          <a:chExt cx="0" cy="0"/>
-        </a:xfrm>
-      </p:grpSpPr>
-      <p:sp>
-        <p:nvSpPr>
-          <p:cNvPr id="2" name="Title 1">
-            <a:extLst>
-              <a:ext uri="{FF2B5EF4-FFF2-40B4-BE49-F238E27FC236}">
                 <a16:creationId xmlns:a16="http://schemas.microsoft.com/office/drawing/2014/main" id="{8D452966-9B04-A991-5E93-1417736DBC93}"/>
               </a:ext>
             </a:extLst>
@@ -7951,41 +8695,44 @@
         </p:nvSpPr>
         <p:spPr/>
         <p:txBody>
-          <a:bodyPr/>
+          <a:bodyPr>
+            <a:normAutofit/>
+          </a:bodyPr>
           <a:lstStyle/>
           <a:p>
             <a:r>
               <a:rPr lang="en-US" dirty="0"/>
-              <a:t>What is Go?</a:t>
+              <a:t>In our project we tried to implement concurrency throughout the program then tested it to see if it lead to performance improvements.</a:t>
+            </a:r>
+          </a:p>
+          <a:p>
+            <a:r>
+              <a:rPr lang="en-US" dirty="0"/>
+              <a:t>The first part of concurrency in Go is the Goroutine. They are sort of like threads, but are managed by the runtime. They are more efficient, and lightweight than a standard thread.</a:t>
+            </a:r>
+          </a:p>
+          <a:p>
+            <a:r>
+              <a:rPr lang="en-US" dirty="0"/>
+              <a:t>Channels allow communication and the ability to sync between goroutines. </a:t>
+            </a:r>
+          </a:p>
+          <a:p>
+            <a:r>
+              <a:rPr lang="en-US" dirty="0"/>
+              <a:t>Synchronization is necessary because goroutines are concurrent, and we need to avoid race conditions. </a:t>
             </a:r>
           </a:p>
           <a:p>
             <a:pPr lvl="1"/>
             <a:r>
               <a:rPr lang="en-US" dirty="0"/>
-              <a:t>Go is a robust, and easy to learn programming language.</a:t>
+              <a:t>When a goroutine is trying to send data to a channel, it will block until another routine is ready to receive from the channel. </a:t>
             </a:r>
           </a:p>
           <a:p>
             <a:pPr lvl="1"/>
-            <a:r>
-              <a:rPr lang="en-US" dirty="0"/>
-              <a:t>It’s extremely performant, but has easier to use syntax. </a:t>
-            </a:r>
-          </a:p>
-          <a:p>
-            <a:pPr lvl="1"/>
-            <a:r>
-              <a:rPr lang="en-US" dirty="0"/>
-              <a:t>I’ve always found it had simplistic syntax like python, but C++ levels of performance.</a:t>
-            </a:r>
-          </a:p>
-          <a:p>
-            <a:pPr lvl="1"/>
-            <a:r>
-              <a:rPr lang="en-US" dirty="0"/>
-              <a:t>An important concept I wanted to tie into my project was concurrency, as I’m a huge fan of the way Go implements it. </a:t>
-            </a:r>
+            <a:endParaRPr lang="en-US" dirty="0"/>
           </a:p>
         </p:txBody>
       </p:sp>
@@ -8024,7 +8771,7 @@
           <p:cNvPr id="2" name="Title 1">
             <a:extLst>
               <a:ext uri="{FF2B5EF4-FFF2-40B4-BE49-F238E27FC236}">
-                <a16:creationId xmlns:a16="http://schemas.microsoft.com/office/drawing/2014/main" id="{0D686CA8-9F05-964E-3ABF-00603B718CF6}"/>
+                <a16:creationId xmlns:a16="http://schemas.microsoft.com/office/drawing/2014/main" id="{4B3AD467-FC01-3D98-8DB6-CC7083FA0140}"/>
               </a:ext>
             </a:extLst>
           </p:cNvPr>
@@ -8042,7 +8789,7 @@
           <a:p>
             <a:r>
               <a:rPr lang="en-US" dirty="0"/>
-              <a:t>Concurrency in Go</a:t>
+              <a:t>Project Rationale</a:t>
             </a:r>
           </a:p>
         </p:txBody>
@@ -8052,7 +8799,7 @@
           <p:cNvPr id="3" name="Content Placeholder 2">
             <a:extLst>
               <a:ext uri="{FF2B5EF4-FFF2-40B4-BE49-F238E27FC236}">
-                <a16:creationId xmlns:a16="http://schemas.microsoft.com/office/drawing/2014/main" id="{846FD9C2-A4C6-4020-A353-D57B6E7EBF3A}"/>
+                <a16:creationId xmlns:a16="http://schemas.microsoft.com/office/drawing/2014/main" id="{A4778AB5-69D2-2BAB-B0F1-A96C16E4F59B}"/>
               </a:ext>
             </a:extLst>
           </p:cNvPr>
@@ -8070,37 +8817,35 @@
           <a:p>
             <a:r>
               <a:rPr lang="en-US" dirty="0"/>
-              <a:t>The first part of concurrency in Go is the Goroutine. They are sort of like threads, but are managed by the runtime. They are more efficient, and lightweight than a standard thread.</a:t>
+              <a:t>Given the desire to include concurrency, whatever idea we went with needed enough data to warrant it’s inclusion. </a:t>
             </a:r>
           </a:p>
           <a:p>
             <a:r>
               <a:rPr lang="en-US" dirty="0"/>
-              <a:t>Channels allow communication and the ability to sync between goroutines. </a:t>
+              <a:t>I love movies, and frequently watch them. I pitched the ideas to use the IMDB database which has millions of entries, and work with the data using some of the topics we’ve learned in class.</a:t>
             </a:r>
           </a:p>
           <a:p>
             <a:r>
               <a:rPr lang="en-US" dirty="0"/>
-              <a:t>Synchronization is necessary because goroutines are concurrent, and we need to avoid race conditions. </a:t>
-            </a:r>
-          </a:p>
-          <a:p>
-            <a:pPr lvl="1"/>
+              <a:t>Originally we came up with two different ideas for the project with the other being a way to circumvent a program called </a:t>
+            </a:r>
+            <a:r>
+              <a:rPr lang="en-US" dirty="0" err="1"/>
+              <a:t>Denuvo</a:t>
+            </a:r>
             <a:r>
               <a:rPr lang="en-US" dirty="0"/>
-              <a:t>When a goroutine is trying to send data to a channel, it will block until another routine is ready to receive from the channel. </a:t>
-            </a:r>
-          </a:p>
-          <a:p>
-            <a:endParaRPr lang="en-US" dirty="0"/>
+              <a:t>. However the program is not widely used anymore and was in a different programming language that I (Hunter) never learned. </a:t>
+            </a:r>
           </a:p>
         </p:txBody>
       </p:sp>
     </p:spTree>
     <p:extLst>
       <p:ext uri="{BB962C8B-B14F-4D97-AF65-F5344CB8AC3E}">
-        <p14:creationId xmlns:p14="http://schemas.microsoft.com/office/powerpoint/2010/main" val="1678158997"/>
+        <p14:creationId xmlns:p14="http://schemas.microsoft.com/office/powerpoint/2010/main" val="616444857"/>
       </p:ext>
     </p:extLst>
   </p:cSld>
@@ -8132,7 +8877,7 @@
           <p:cNvPr id="2" name="Title 1">
             <a:extLst>
               <a:ext uri="{FF2B5EF4-FFF2-40B4-BE49-F238E27FC236}">
-                <a16:creationId xmlns:a16="http://schemas.microsoft.com/office/drawing/2014/main" id="{4B3AD467-FC01-3D98-8DB6-CC7083FA0140}"/>
+                <a16:creationId xmlns:a16="http://schemas.microsoft.com/office/drawing/2014/main" id="{9159209C-7E55-3E6B-60C7-F78EE1C8C052}"/>
               </a:ext>
             </a:extLst>
           </p:cNvPr>
@@ -8150,7 +8895,7 @@
           <a:p>
             <a:r>
               <a:rPr lang="en-US" dirty="0"/>
-              <a:t>Project Rationale</a:t>
+              <a:t>What data structures/algorithms are used?</a:t>
             </a:r>
           </a:p>
         </p:txBody>
@@ -8160,7 +8905,7 @@
           <p:cNvPr id="3" name="Content Placeholder 2">
             <a:extLst>
               <a:ext uri="{FF2B5EF4-FFF2-40B4-BE49-F238E27FC236}">
-                <a16:creationId xmlns:a16="http://schemas.microsoft.com/office/drawing/2014/main" id="{A4778AB5-69D2-2BAB-B0F1-A96C16E4F59B}"/>
+                <a16:creationId xmlns:a16="http://schemas.microsoft.com/office/drawing/2014/main" id="{DB268476-9C15-D7E9-F8A7-7F930729AF04}"/>
               </a:ext>
             </a:extLst>
           </p:cNvPr>
@@ -8178,20 +8923,47 @@
           <a:p>
             <a:r>
               <a:rPr lang="en-US" dirty="0"/>
-              <a:t>Given the desire to include concurrency, whatever idea we went with needed enough data to warrant it’s inclusion. </a:t>
+              <a:t>Maps</a:t>
             </a:r>
           </a:p>
           <a:p>
             <a:pPr lvl="1"/>
             <a:r>
               <a:rPr lang="en-US" dirty="0"/>
-              <a:t>Concurrency has extra overhead especially as more goroutines are added. Stack space, and resources need to be given to each routine. Channels also require resources, and memory as data is being transmitted. </a:t>
-            </a:r>
-          </a:p>
-          <a:p>
+              <a:t>This program uses a map in order to store much of the data in the program. </a:t>
+            </a:r>
+          </a:p>
+          <a:p>
+            <a:pPr lvl="1"/>
             <a:r>
               <a:rPr lang="en-US" dirty="0"/>
-              <a:t>I love movies, and frequently watch them. I pitched the ideas to use the IMDB database which has millions of entries, and work with the data using some of the topics we’ve learned in class.</a:t>
+              <a:t>The data about the movies such as the average rating, and num votes are mapped to the title ID.</a:t>
+            </a:r>
+          </a:p>
+          <a:p>
+            <a:r>
+              <a:rPr lang="en-US" dirty="0"/>
+              <a:t>Quick Sort</a:t>
+            </a:r>
+          </a:p>
+          <a:p>
+            <a:pPr lvl="1"/>
+            <a:r>
+              <a:rPr lang="en-US" dirty="0"/>
+              <a:t>Once we grab and format the data from the TSV files we sort them using quick sort by title.</a:t>
+            </a:r>
+          </a:p>
+          <a:p>
+            <a:r>
+              <a:rPr lang="en-US" dirty="0"/>
+              <a:t>Binary Tree Search</a:t>
+            </a:r>
+          </a:p>
+          <a:p>
+            <a:pPr lvl="1"/>
+            <a:r>
+              <a:rPr lang="en-US" dirty="0"/>
+              <a:t>After the movies are sorted we then need to search through the sorted movies for a target film. </a:t>
             </a:r>
           </a:p>
         </p:txBody>
@@ -8199,7 +8971,7 @@
     </p:spTree>
     <p:extLst>
       <p:ext uri="{BB962C8B-B14F-4D97-AF65-F5344CB8AC3E}">
-        <p14:creationId xmlns:p14="http://schemas.microsoft.com/office/powerpoint/2010/main" val="616444857"/>
+        <p14:creationId xmlns:p14="http://schemas.microsoft.com/office/powerpoint/2010/main" val="3656705812"/>
       </p:ext>
     </p:extLst>
   </p:cSld>
@@ -8231,7 +9003,7 @@
           <p:cNvPr id="2" name="Title 1">
             <a:extLst>
               <a:ext uri="{FF2B5EF4-FFF2-40B4-BE49-F238E27FC236}">
-                <a16:creationId xmlns:a16="http://schemas.microsoft.com/office/drawing/2014/main" id="{9159209C-7E55-3E6B-60C7-F78EE1C8C052}"/>
+                <a16:creationId xmlns:a16="http://schemas.microsoft.com/office/drawing/2014/main" id="{0F1499E6-41E2-C2F6-556F-DCC75FAE02DC}"/>
               </a:ext>
             </a:extLst>
           </p:cNvPr>
@@ -8249,7 +9021,7 @@
           <a:p>
             <a:r>
               <a:rPr lang="en-US" dirty="0"/>
-              <a:t>What data structures/algorithms are used?</a:t>
+              <a:t>Measurement / Algorithm Design</a:t>
             </a:r>
           </a:p>
         </p:txBody>
@@ -8259,7 +9031,7 @@
           <p:cNvPr id="3" name="Content Placeholder 2">
             <a:extLst>
               <a:ext uri="{FF2B5EF4-FFF2-40B4-BE49-F238E27FC236}">
-                <a16:creationId xmlns:a16="http://schemas.microsoft.com/office/drawing/2014/main" id="{DB268476-9C15-D7E9-F8A7-7F930729AF04}"/>
+                <a16:creationId xmlns:a16="http://schemas.microsoft.com/office/drawing/2014/main" id="{5BF9B2C4-49C0-3F58-850E-18874517D4EA}"/>
               </a:ext>
             </a:extLst>
           </p:cNvPr>
@@ -8270,69 +9042,46 @@
             <p:ph idx="1"/>
           </p:nvPr>
         </p:nvSpPr>
-        <p:spPr/>
-        <p:txBody>
-          <a:bodyPr/>
+        <p:spPr>
+          <a:xfrm>
+            <a:off x="818713" y="2891177"/>
+            <a:ext cx="10554574" cy="3519635"/>
+          </a:xfrm>
+        </p:spPr>
+        <p:txBody>
+          <a:bodyPr>
+            <a:normAutofit/>
+          </a:bodyPr>
           <a:lstStyle/>
           <a:p>
             <a:r>
               <a:rPr lang="en-US" dirty="0"/>
-              <a:t>Maps</a:t>
-            </a:r>
-          </a:p>
-          <a:p>
-            <a:pPr lvl="1"/>
+              <a:t>The medium we used to measure the performance of different searching and sorting algorithms was execution time.</a:t>
+            </a:r>
+          </a:p>
+          <a:p>
             <a:r>
               <a:rPr lang="en-US" dirty="0"/>
-              <a:t>This program uses a map in order to store much of the data in the program. </a:t>
-            </a:r>
-          </a:p>
-          <a:p>
-            <a:pPr lvl="1"/>
+              <a:t>Go provides a convenient way to test the amount of time something takes to run using the time package in the standard library.</a:t>
+            </a:r>
+          </a:p>
+          <a:p>
             <a:r>
               <a:rPr lang="en-US" dirty="0"/>
-              <a:t>The data about the movies such as the average rating, and num votes are mapped to the title ID.</a:t>
+              <a:t>The time complexity of Quick Sort is O(n log n). </a:t>
             </a:r>
           </a:p>
           <a:p>
             <a:r>
               <a:rPr lang="en-US" dirty="0"/>
-              <a:t>Heap Sort</a:t>
-            </a:r>
-          </a:p>
-          <a:p>
-            <a:pPr lvl="1"/>
-            <a:r>
-              <a:rPr lang="en-US" dirty="0"/>
-              <a:t>Once we grab and format the data from the TSV files we sort them using heap sort by title.</a:t>
-            </a:r>
-          </a:p>
-          <a:p>
-            <a:r>
-              <a:rPr lang="en-US" dirty="0"/>
-              <a:t>Concurrent Binary Tree Search</a:t>
-            </a:r>
-          </a:p>
-          <a:p>
-            <a:pPr lvl="1"/>
-            <a:r>
-              <a:rPr lang="en-US" dirty="0"/>
-              <a:t>After the movies are sorted we then need to search through the array for a target film. </a:t>
-            </a:r>
-          </a:p>
-          <a:p>
-            <a:pPr lvl="1"/>
-            <a:r>
-              <a:rPr lang="en-US" dirty="0"/>
-              <a:t>The binary tree search in the program uses concurrency. </a:t>
-            </a:r>
-          </a:p>
-          <a:p>
-            <a:pPr lvl="2"/>
-            <a:r>
-              <a:rPr lang="en-US" dirty="0"/>
-              <a:t>The data is broken up into sections which are each searched concurrently to find the desired film.</a:t>
-            </a:r>
+              <a:t>The fact that the data was going to be sorted allowed us to use binary tree searching which is O(log n) in complexity.</a:t>
+            </a:r>
+          </a:p>
+          <a:p>
+            <a:endParaRPr lang="en-US" dirty="0"/>
+          </a:p>
+          <a:p>
+            <a:endParaRPr lang="en-US" dirty="0"/>
           </a:p>
           <a:p>
             <a:endParaRPr lang="en-US" dirty="0"/>
@@ -8342,7 +9091,7 @@
     </p:spTree>
     <p:extLst>
       <p:ext uri="{BB962C8B-B14F-4D97-AF65-F5344CB8AC3E}">
-        <p14:creationId xmlns:p14="http://schemas.microsoft.com/office/powerpoint/2010/main" val="3656705812"/>
+        <p14:creationId xmlns:p14="http://schemas.microsoft.com/office/powerpoint/2010/main" val="3981584679"/>
       </p:ext>
     </p:extLst>
   </p:cSld>
@@ -8374,7 +9123,7 @@
           <p:cNvPr id="2" name="Title 1">
             <a:extLst>
               <a:ext uri="{FF2B5EF4-FFF2-40B4-BE49-F238E27FC236}">
-                <a16:creationId xmlns:a16="http://schemas.microsoft.com/office/drawing/2014/main" id="{0F1499E6-41E2-C2F6-556F-DCC75FAE02DC}"/>
+                <a16:creationId xmlns:a16="http://schemas.microsoft.com/office/drawing/2014/main" id="{DDA20FD3-503F-C0C5-6F1C-95DA72C74A37}"/>
               </a:ext>
             </a:extLst>
           </p:cNvPr>
@@ -8392,77 +9141,130 @@
           <a:p>
             <a:r>
               <a:rPr lang="en-US" dirty="0"/>
-              <a:t>Measurement / Algorithm Design</a:t>
-            </a:r>
-          </a:p>
-        </p:txBody>
-      </p:sp>
-      <p:sp>
-        <p:nvSpPr>
-          <p:cNvPr id="3" name="Content Placeholder 2">
+              <a:t>Empirical Analysis</a:t>
+            </a:r>
+          </a:p>
+        </p:txBody>
+      </p:sp>
+      <p:graphicFrame>
+        <p:nvGraphicFramePr>
+          <p:cNvPr id="10" name="Content Placeholder 9">
             <a:extLst>
               <a:ext uri="{FF2B5EF4-FFF2-40B4-BE49-F238E27FC236}">
-                <a16:creationId xmlns:a16="http://schemas.microsoft.com/office/drawing/2014/main" id="{5BF9B2C4-49C0-3F58-850E-18874517D4EA}"/>
+                <a16:creationId xmlns:a16="http://schemas.microsoft.com/office/drawing/2014/main" id="{63B4DBCF-F26E-E00D-488B-EBED51507A31}"/>
               </a:ext>
             </a:extLst>
           </p:cNvPr>
-          <p:cNvSpPr>
-            <a:spLocks noGrp="1"/>
-          </p:cNvSpPr>
+          <p:cNvGraphicFramePr>
+            <a:graphicFrameLocks noGrp="1"/>
+          </p:cNvGraphicFramePr>
           <p:nvPr>
             <p:ph idx="1"/>
-          </p:nvPr>
+            <p:extLst>
+              <p:ext uri="{D42A27DB-BD31-4B8C-83A1-F6EECF244321}">
+                <p14:modId xmlns:p14="http://schemas.microsoft.com/office/powerpoint/2010/main" val="2831178299"/>
+              </p:ext>
+            </p:extLst>
+          </p:nvPr>
+        </p:nvGraphicFramePr>
+        <p:xfrm>
+          <a:off x="819149" y="2956278"/>
+          <a:ext cx="4426075" cy="3636963"/>
+        </p:xfrm>
+        <a:graphic>
+          <a:graphicData uri="http://schemas.openxmlformats.org/drawingml/2006/chart">
+            <c:chart xmlns:c="http://schemas.openxmlformats.org/drawingml/2006/chart" xmlns:r="http://schemas.openxmlformats.org/officeDocument/2006/relationships" r:id="rId3"/>
+          </a:graphicData>
+        </a:graphic>
+      </p:graphicFrame>
+      <p:sp>
+        <p:nvSpPr>
+          <p:cNvPr id="11" name="TextBox 10">
+            <a:extLst>
+              <a:ext uri="{FF2B5EF4-FFF2-40B4-BE49-F238E27FC236}">
+                <a16:creationId xmlns:a16="http://schemas.microsoft.com/office/drawing/2014/main" id="{795C4576-7654-B21E-1C22-EC742BA0B4A8}"/>
+              </a:ext>
+            </a:extLst>
+          </p:cNvPr>
+          <p:cNvSpPr txBox="1"/>
+          <p:nvPr/>
         </p:nvSpPr>
         <p:spPr>
           <a:xfrm>
-            <a:off x="818713" y="2891177"/>
-            <a:ext cx="10554574" cy="3519635"/>
+            <a:off x="2073046" y="2586946"/>
+            <a:ext cx="1911101" cy="369332"/>
           </a:xfrm>
+          <a:prstGeom prst="rect">
+            <a:avLst/>
+          </a:prstGeom>
+          <a:noFill/>
         </p:spPr>
         <p:txBody>
-          <a:bodyPr>
-            <a:normAutofit/>
+          <a:bodyPr wrap="none" rtlCol="0">
+            <a:spAutoFit/>
           </a:bodyPr>
           <a:lstStyle/>
           <a:p>
             <a:r>
               <a:rPr lang="en-US" dirty="0"/>
-              <a:t>The medium we used to measure the performance of different searching and sorting algorithms was execution time and memory used. </a:t>
-            </a:r>
-          </a:p>
-          <a:p>
+              <a:t>1.4 Million Items</a:t>
+            </a:r>
+          </a:p>
+        </p:txBody>
+      </p:sp>
+      <p:sp>
+        <p:nvSpPr>
+          <p:cNvPr id="12" name="TextBox 11">
+            <a:extLst>
+              <a:ext uri="{FF2B5EF4-FFF2-40B4-BE49-F238E27FC236}">
+                <a16:creationId xmlns:a16="http://schemas.microsoft.com/office/drawing/2014/main" id="{7A2D5109-2A24-6635-E93E-5AB234F4C664}"/>
+              </a:ext>
+            </a:extLst>
+          </p:cNvPr>
+          <p:cNvSpPr txBox="1"/>
+          <p:nvPr/>
+        </p:nvSpPr>
+        <p:spPr>
+          <a:xfrm>
+            <a:off x="6946777" y="2956278"/>
+            <a:ext cx="3544711" cy="2585323"/>
+          </a:xfrm>
+          <a:prstGeom prst="rect">
+            <a:avLst/>
+          </a:prstGeom>
+          <a:noFill/>
+        </p:spPr>
+        <p:txBody>
+          <a:bodyPr wrap="square" rtlCol="0">
+            <a:spAutoFit/>
+          </a:bodyPr>
+          <a:lstStyle/>
+          <a:p>
+            <a:pPr marL="285750" indent="-285750">
+              <a:buFont typeface="Arial" panose="020B0604020202020204" pitchFamily="34" charset="0"/>
+              <a:buChar char="•"/>
+            </a:pPr>
             <a:r>
               <a:rPr lang="en-US" dirty="0"/>
-              <a:t>Go provides a convenient way to test the amount of time something takes to run using the time package in the standard library.</a:t>
-            </a:r>
-          </a:p>
-          <a:p>
+              <a:t>These performance improvements carry over to larger datasets. Using 10.4 million items the execution time is improved to 2.5 seconds from 4.7 seconds.</a:t>
+            </a:r>
+          </a:p>
+          <a:p>
+            <a:pPr marL="285750" indent="-285750">
+              <a:buFont typeface="Arial" panose="020B0604020202020204" pitchFamily="34" charset="0"/>
+              <a:buChar char="•"/>
+            </a:pPr>
             <a:r>
               <a:rPr lang="en-US" dirty="0"/>
-              <a:t>The time complexity of heap sort is O(n log n) which is the same as quick sort which is something we originally used but quick sort has poor space complexity which we’ll touch on later. Heap sorts worst case time complexity is still better when compared to quick sort being O(n log n) compared to O(n^2) </a:t>
-            </a:r>
-          </a:p>
-          <a:p>
-            <a:r>
-              <a:rPr lang="en-US" dirty="0"/>
-              <a:t>The fact that the data was going to be sorted allowed us to use binary tree searching which is O(log n) in complexity.</a:t>
-            </a:r>
-          </a:p>
-          <a:p>
-            <a:endParaRPr lang="en-US" dirty="0"/>
-          </a:p>
-          <a:p>
-            <a:endParaRPr lang="en-US" dirty="0"/>
-          </a:p>
-          <a:p>
-            <a:endParaRPr lang="en-US" dirty="0"/>
+              <a:t>The performance improvements are not universal to every map.</a:t>
+            </a:r>
           </a:p>
         </p:txBody>
       </p:sp>
     </p:spTree>
     <p:extLst>
       <p:ext uri="{BB962C8B-B14F-4D97-AF65-F5344CB8AC3E}">
-        <p14:creationId xmlns:p14="http://schemas.microsoft.com/office/powerpoint/2010/main" val="3981584679"/>
+        <p14:creationId xmlns:p14="http://schemas.microsoft.com/office/powerpoint/2010/main" val="2225462034"/>
       </p:ext>
     </p:extLst>
   </p:cSld>
@@ -8533,18 +9335,118 @@
             <p:ph idx="1"/>
             <p:extLst>
               <p:ext uri="{D42A27DB-BD31-4B8C-83A1-F6EECF244321}">
-                <p14:modId xmlns:p14="http://schemas.microsoft.com/office/powerpoint/2010/main" val="1623294853"/>
+                <p14:modId xmlns:p14="http://schemas.microsoft.com/office/powerpoint/2010/main" val="1059286393"/>
               </p:ext>
             </p:extLst>
           </p:nvPr>
         </p:nvGraphicFramePr>
         <p:xfrm>
-          <a:off x="819150" y="2222500"/>
-          <a:ext cx="10553700" cy="3636963"/>
+          <a:off x="810000" y="2773849"/>
+          <a:ext cx="4802717" cy="3636963"/>
         </p:xfrm>
         <a:graphic>
           <a:graphicData uri="http://schemas.openxmlformats.org/drawingml/2006/chart">
             <c:chart xmlns:c="http://schemas.openxmlformats.org/drawingml/2006/chart" xmlns:r="http://schemas.openxmlformats.org/officeDocument/2006/relationships" r:id="rId2"/>
+          </a:graphicData>
+        </a:graphic>
+      </p:graphicFrame>
+      <p:sp>
+        <p:nvSpPr>
+          <p:cNvPr id="7" name="TextBox 6">
+            <a:extLst>
+              <a:ext uri="{FF2B5EF4-FFF2-40B4-BE49-F238E27FC236}">
+                <a16:creationId xmlns:a16="http://schemas.microsoft.com/office/drawing/2014/main" id="{82EC75AB-5E94-9471-BA69-8830D46B7D7E}"/>
+              </a:ext>
+            </a:extLst>
+          </p:cNvPr>
+          <p:cNvSpPr txBox="1"/>
+          <p:nvPr/>
+        </p:nvSpPr>
+        <p:spPr>
+          <a:xfrm>
+            <a:off x="2291645" y="2404517"/>
+            <a:ext cx="2803753" cy="369332"/>
+          </a:xfrm>
+          <a:prstGeom prst="rect">
+            <a:avLst/>
+          </a:prstGeom>
+          <a:noFill/>
+        </p:spPr>
+        <p:txBody>
+          <a:bodyPr wrap="square" rtlCol="0">
+            <a:spAutoFit/>
+          </a:bodyPr>
+          <a:lstStyle/>
+          <a:p>
+            <a:r>
+              <a:rPr lang="en-US" dirty="0"/>
+              <a:t>1.4 Million Items</a:t>
+            </a:r>
+          </a:p>
+        </p:txBody>
+      </p:sp>
+      <p:sp>
+        <p:nvSpPr>
+          <p:cNvPr id="10" name="TextBox 9">
+            <a:extLst>
+              <a:ext uri="{FF2B5EF4-FFF2-40B4-BE49-F238E27FC236}">
+                <a16:creationId xmlns:a16="http://schemas.microsoft.com/office/drawing/2014/main" id="{5825D8B4-B51B-5E4D-582E-AEF519E17512}"/>
+              </a:ext>
+            </a:extLst>
+          </p:cNvPr>
+          <p:cNvSpPr txBox="1"/>
+          <p:nvPr/>
+        </p:nvSpPr>
+        <p:spPr>
+          <a:xfrm>
+            <a:off x="8099779" y="2404517"/>
+            <a:ext cx="2803753" cy="369332"/>
+          </a:xfrm>
+          <a:prstGeom prst="rect">
+            <a:avLst/>
+          </a:prstGeom>
+          <a:noFill/>
+        </p:spPr>
+        <p:txBody>
+          <a:bodyPr wrap="square" rtlCol="0">
+            <a:spAutoFit/>
+          </a:bodyPr>
+          <a:lstStyle/>
+          <a:p>
+            <a:r>
+              <a:rPr lang="en-US" dirty="0"/>
+              <a:t>10.3 Million Items</a:t>
+            </a:r>
+          </a:p>
+        </p:txBody>
+      </p:sp>
+      <p:graphicFrame>
+        <p:nvGraphicFramePr>
+          <p:cNvPr id="11" name="Content Placeholder 3">
+            <a:extLst>
+              <a:ext uri="{FF2B5EF4-FFF2-40B4-BE49-F238E27FC236}">
+                <a16:creationId xmlns:a16="http://schemas.microsoft.com/office/drawing/2014/main" id="{4B01C753-8F05-A138-B605-4C8D1EDE37CD}"/>
+              </a:ext>
+            </a:extLst>
+          </p:cNvPr>
+          <p:cNvGraphicFramePr>
+            <a:graphicFrameLocks/>
+          </p:cNvGraphicFramePr>
+          <p:nvPr>
+            <p:extLst>
+              <p:ext uri="{D42A27DB-BD31-4B8C-83A1-F6EECF244321}">
+                <p14:modId xmlns:p14="http://schemas.microsoft.com/office/powerpoint/2010/main" val="1753247406"/>
+              </p:ext>
+            </p:extLst>
+          </p:nvPr>
+        </p:nvGraphicFramePr>
+        <p:xfrm>
+          <a:off x="6579281" y="2773848"/>
+          <a:ext cx="4802717" cy="3636963"/>
+        </p:xfrm>
+        <a:graphic>
+          <a:graphicData uri="http://schemas.openxmlformats.org/drawingml/2006/chart">
+            <c:chart xmlns:c="http://schemas.openxmlformats.org/drawingml/2006/chart" xmlns:r="http://schemas.openxmlformats.org/officeDocument/2006/relationships" r:id="rId3"/>
           </a:graphicData>
         </a:graphic>
       </p:graphicFrame>
@@ -8583,7 +9485,7 @@
           <p:cNvPr id="2" name="Title 1">
             <a:extLst>
               <a:ext uri="{FF2B5EF4-FFF2-40B4-BE49-F238E27FC236}">
-                <a16:creationId xmlns:a16="http://schemas.microsoft.com/office/drawing/2014/main" id="{DDA20FD3-503F-C0C5-6F1C-95DA72C74A37}"/>
+                <a16:creationId xmlns:a16="http://schemas.microsoft.com/office/drawing/2014/main" id="{E94BE2B7-C49D-8516-8274-1A60CE04DB44}"/>
               </a:ext>
             </a:extLst>
           </p:cNvPr>
@@ -8601,46 +9503,79 @@
           <a:p>
             <a:r>
               <a:rPr lang="en-US" dirty="0"/>
-              <a:t>Empirical Analysis pt2</a:t>
-            </a:r>
-          </a:p>
-        </p:txBody>
-      </p:sp>
-      <p:graphicFrame>
-        <p:nvGraphicFramePr>
-          <p:cNvPr id="4" name="Content Placeholder 3">
+              <a:t>Findings/Conclusions</a:t>
+            </a:r>
+          </a:p>
+        </p:txBody>
+      </p:sp>
+      <p:sp>
+        <p:nvSpPr>
+          <p:cNvPr id="3" name="Content Placeholder 2">
             <a:extLst>
               <a:ext uri="{FF2B5EF4-FFF2-40B4-BE49-F238E27FC236}">
-                <a16:creationId xmlns:a16="http://schemas.microsoft.com/office/drawing/2014/main" id="{4FEE165F-102F-C52C-1F99-9BF6E82E8251}"/>
+                <a16:creationId xmlns:a16="http://schemas.microsoft.com/office/drawing/2014/main" id="{6984BCC0-7C63-E457-8478-9F5254D0FE8F}"/>
               </a:ext>
             </a:extLst>
           </p:cNvPr>
-          <p:cNvGraphicFramePr>
-            <a:graphicFrameLocks noGrp="1"/>
-          </p:cNvGraphicFramePr>
+          <p:cNvSpPr>
+            <a:spLocks noGrp="1"/>
+          </p:cNvSpPr>
           <p:nvPr>
             <p:ph idx="1"/>
-            <p:extLst>
-              <p:ext uri="{D42A27DB-BD31-4B8C-83A1-F6EECF244321}">
-                <p14:modId xmlns:p14="http://schemas.microsoft.com/office/powerpoint/2010/main" val="3759388131"/>
-              </p:ext>
-            </p:extLst>
-          </p:nvPr>
-        </p:nvGraphicFramePr>
-        <p:xfrm>
-          <a:off x="819150" y="2222500"/>
-          <a:ext cx="10553700" cy="3636963"/>
-        </p:xfrm>
-        <a:graphic>
-          <a:graphicData uri="http://schemas.openxmlformats.org/drawingml/2006/chart">
-            <c:chart xmlns:c="http://schemas.openxmlformats.org/drawingml/2006/chart" xmlns:r="http://schemas.openxmlformats.org/officeDocument/2006/relationships" r:id="rId3"/>
-          </a:graphicData>
-        </a:graphic>
-      </p:graphicFrame>
+          </p:nvPr>
+        </p:nvSpPr>
+        <p:spPr/>
+        <p:txBody>
+          <a:bodyPr>
+            <a:normAutofit/>
+          </a:bodyPr>
+          <a:lstStyle/>
+          <a:p>
+            <a:r>
+              <a:rPr lang="en-US" dirty="0"/>
+              <a:t>Concurrency can lead to measurable performance improvements in the right situations.</a:t>
+            </a:r>
+          </a:p>
+          <a:p>
+            <a:pPr lvl="1"/>
+            <a:r>
+              <a:rPr lang="en-US" dirty="0"/>
+              <a:t>The movie map we use is able to vastly improve it’s speeds with concurrency while the rating map saw similar performance. This could be due to the lower amount of fields in the ratings file which leads to bottleneck when using multiple goroutines.</a:t>
+            </a:r>
+          </a:p>
+          <a:p>
+            <a:r>
+              <a:rPr lang="en-US" dirty="0"/>
+              <a:t>Limitations:</a:t>
+            </a:r>
+          </a:p>
+          <a:p>
+            <a:pPr lvl="1"/>
+            <a:r>
+              <a:rPr lang="en-US" dirty="0"/>
+              <a:t>The algorithms inside this program may not have been implemented in the most efficient matter which can have a large impact on the data.</a:t>
+            </a:r>
+          </a:p>
+          <a:p>
+            <a:pPr lvl="1"/>
+            <a:r>
+              <a:rPr lang="en-US" dirty="0"/>
+              <a:t>The UI could be improved. With more time we could implement a GUI using a framework like Wails.</a:t>
+            </a:r>
+          </a:p>
+          <a:p>
+            <a:pPr lvl="1"/>
+            <a:r>
+              <a:rPr lang="en-US" dirty="0"/>
+              <a:t>Using a database could help keep the data out of memory and improve performance.</a:t>
+            </a:r>
+          </a:p>
+        </p:txBody>
+      </p:sp>
     </p:spTree>
     <p:extLst>
       <p:ext uri="{BB962C8B-B14F-4D97-AF65-F5344CB8AC3E}">
-        <p14:creationId xmlns:p14="http://schemas.microsoft.com/office/powerpoint/2010/main" val="2225462034"/>
+        <p14:creationId xmlns:p14="http://schemas.microsoft.com/office/powerpoint/2010/main" val="3864468359"/>
       </p:ext>
     </p:extLst>
   </p:cSld>
@@ -8672,7 +9607,7 @@
           <p:cNvPr id="2" name="Title 1">
             <a:extLst>
               <a:ext uri="{FF2B5EF4-FFF2-40B4-BE49-F238E27FC236}">
-                <a16:creationId xmlns:a16="http://schemas.microsoft.com/office/drawing/2014/main" id="{E94BE2B7-C49D-8516-8274-1A60CE04DB44}"/>
+                <a16:creationId xmlns:a16="http://schemas.microsoft.com/office/drawing/2014/main" id="{28B3008A-0CED-9B5B-24E5-2A622FEC3FB5}"/>
               </a:ext>
             </a:extLst>
           </p:cNvPr>
@@ -8690,7 +9625,7 @@
           <a:p>
             <a:r>
               <a:rPr lang="en-US" dirty="0"/>
-              <a:t>Findings/Conclusions</a:t>
+              <a:t>Code Repository</a:t>
             </a:r>
           </a:p>
         </p:txBody>
@@ -8700,7 +9635,7 @@
           <p:cNvPr id="3" name="Content Placeholder 2">
             <a:extLst>
               <a:ext uri="{FF2B5EF4-FFF2-40B4-BE49-F238E27FC236}">
-                <a16:creationId xmlns:a16="http://schemas.microsoft.com/office/drawing/2014/main" id="{6984BCC0-7C63-E457-8478-9F5254D0FE8F}"/>
+                <a16:creationId xmlns:a16="http://schemas.microsoft.com/office/drawing/2014/main" id="{0986AE7D-33AB-763B-F2AA-4951A1D8AC8E}"/>
               </a:ext>
             </a:extLst>
           </p:cNvPr>
@@ -8713,76 +9648,41 @@
         </p:nvSpPr>
         <p:spPr/>
         <p:txBody>
-          <a:bodyPr>
-            <a:normAutofit fontScale="85000" lnSpcReduction="20000"/>
-          </a:bodyPr>
+          <a:bodyPr/>
           <a:lstStyle/>
           <a:p>
             <a:r>
               <a:rPr lang="en-US" dirty="0"/>
-              <a:t>Concurrency at least in this context is not worth it. The nonconcurrent binary search method takes around 1 microsecond on average while the concurrent method takes around 40 microseconds. </a:t>
-            </a:r>
-          </a:p>
-          <a:p>
-            <a:pPr lvl="1"/>
+              <a:t>https://</a:t>
+            </a:r>
+            <a:r>
+              <a:rPr lang="en-US" dirty="0" err="1"/>
+              <a:t>github.com</a:t>
+            </a:r>
             <a:r>
               <a:rPr lang="en-US" dirty="0"/>
-              <a:t>The reason for this is that the data is likely not large enough to make it worth it. Lowering the amount of workers did not improve these results.</a:t>
-            </a:r>
-          </a:p>
-          <a:p>
+              <a:t>/</a:t>
+            </a:r>
+            <a:r>
+              <a:rPr lang="en-US" dirty="0" err="1"/>
+              <a:t>jacksongodsey</a:t>
+            </a:r>
             <a:r>
               <a:rPr lang="en-US" dirty="0"/>
-              <a:t>This was quite surprising as having four workers looking through the data we thought would be faster. </a:t>
-            </a:r>
-          </a:p>
-          <a:p>
-            <a:pPr lvl="1"/>
-            <a:r>
-              <a:rPr lang="en-US" dirty="0"/>
-              <a:t>The overhead is likely just not worth it considering the size of this dataset. </a:t>
-            </a:r>
-          </a:p>
-          <a:p>
-            <a:r>
-              <a:rPr lang="en-US" dirty="0"/>
-              <a:t>Limitations:</a:t>
-            </a:r>
-          </a:p>
-          <a:p>
-            <a:pPr lvl="1"/>
-            <a:r>
-              <a:rPr lang="en-US" dirty="0"/>
-              <a:t>The algorithms inside this program may not have been implemented in the most efficient matter which can have a large impact on the data.</a:t>
-            </a:r>
-          </a:p>
-          <a:p>
-            <a:pPr lvl="2"/>
-            <a:r>
-              <a:rPr lang="en-US" dirty="0"/>
-              <a:t>For example a more optimized quick sort algorithm may have performed better.</a:t>
-            </a:r>
-          </a:p>
-          <a:p>
-            <a:pPr lvl="1"/>
-            <a:r>
-              <a:rPr lang="en-US" dirty="0"/>
-              <a:t>Larger data sets could affect the performance of this program. The way the programs maps the data is the largest bottleneck and this could worsen as more data is introduced. </a:t>
-            </a:r>
-          </a:p>
-          <a:p>
-            <a:pPr lvl="1"/>
-            <a:r>
-              <a:rPr lang="en-US" dirty="0"/>
-              <a:t>We chose to use heap sort because of it’s lower memory usage but with smaller data sets merge sort may prove more viable with it’s slightly faster speeds.</a:t>
-            </a:r>
+              <a:t>/</a:t>
+            </a:r>
+            <a:r>
+              <a:rPr lang="en-US" dirty="0" err="1"/>
+              <a:t>moviesearch</a:t>
+            </a:r>
+            <a:endParaRPr lang="en-US" dirty="0"/>
           </a:p>
         </p:txBody>
       </p:sp>
     </p:spTree>
     <p:extLst>
       <p:ext uri="{BB962C8B-B14F-4D97-AF65-F5344CB8AC3E}">
-        <p14:creationId xmlns:p14="http://schemas.microsoft.com/office/powerpoint/2010/main" val="3864468359"/>
+        <p14:creationId xmlns:p14="http://schemas.microsoft.com/office/powerpoint/2010/main" val="291190488"/>
       </p:ext>
     </p:extLst>
   </p:cSld>
